--- a/01. Überblick/Überblick Workshop.pptx
+++ b/01. Überblick/Überblick Workshop.pptx
@@ -554,7 +554,7 @@
               <a:pPr>
                 <a:defRPr/>
               </a:pPr>
-              <a:t>04.11.2016</a:t>
+              <a:t>10.11.2016</a:t>
             </a:fld>
             <a:endParaRPr lang="de-DE"/>
           </a:p>
@@ -753,7 +753,7 @@
               <a:pPr>
                 <a:defRPr/>
               </a:pPr>
-              <a:t>2016-11-04</a:t>
+              <a:t>2016-11-10</a:t>
             </a:fld>
             <a:endParaRPr lang="sv-SE"/>
           </a:p>
@@ -24010,14 +24010,14 @@
           <p:nvPr>
             <p:extLst>
               <p:ext uri="{D42A27DB-BD31-4B8C-83A1-F6EECF244321}">
-                <p14:modId xmlns:p14="http://schemas.microsoft.com/office/powerpoint/2010/main" val="416648934"/>
+                <p14:modId xmlns:p14="http://schemas.microsoft.com/office/powerpoint/2010/main" val="1584169125"/>
               </p:ext>
             </p:extLst>
           </p:nvPr>
         </p:nvGraphicFramePr>
         <p:xfrm>
           <a:off x="587298" y="1444713"/>
-          <a:ext cx="9899727" cy="3127287"/>
+          <a:ext cx="9899727" cy="3889287"/>
         </p:xfrm>
         <a:graphic>
           <a:graphicData uri="http://schemas.openxmlformats.org/drawingml/2006/table">
@@ -24100,7 +24100,15 @@
                     <a:p>
                       <a:r>
                         <a:rPr lang="de-DE" dirty="0" smtClean="0"/>
-                        <a:t>10:00 – 10:30</a:t>
+                        <a:t>09:00 </a:t>
+                      </a:r>
+                      <a:r>
+                        <a:rPr lang="de-DE" dirty="0" smtClean="0"/>
+                        <a:t>– </a:t>
+                      </a:r>
+                      <a:r>
+                        <a:rPr lang="de-DE" dirty="0" smtClean="0"/>
+                        <a:t>09:30</a:t>
                       </a:r>
                       <a:endParaRPr lang="de-DE" dirty="0"/>
                     </a:p>
@@ -24135,7 +24143,15 @@
                     <a:p>
                       <a:r>
                         <a:rPr lang="de-DE" dirty="0" smtClean="0"/>
-                        <a:t>10:30 – 11:15</a:t>
+                        <a:t>09:30 </a:t>
+                      </a:r>
+                      <a:r>
+                        <a:rPr lang="de-DE" dirty="0" smtClean="0"/>
+                        <a:t>– </a:t>
+                      </a:r>
+                      <a:r>
+                        <a:rPr lang="de-DE" dirty="0" smtClean="0"/>
+                        <a:t>10:00</a:t>
                       </a:r>
                       <a:endParaRPr lang="de-DE" dirty="0"/>
                     </a:p>
@@ -24187,8 +24203,17 @@
                       </a:pPr>
                       <a:r>
                         <a:rPr lang="de-DE" dirty="0" smtClean="0"/>
-                        <a:t>11:15 – 12:30</a:t>
+                        <a:t>10:00 </a:t>
                       </a:r>
+                      <a:r>
+                        <a:rPr lang="de-DE" dirty="0" smtClean="0"/>
+                        <a:t>– </a:t>
+                      </a:r>
+                      <a:r>
+                        <a:rPr lang="de-DE" dirty="0" smtClean="0"/>
+                        <a:t>11:00</a:t>
+                      </a:r>
+                      <a:endParaRPr lang="de-DE" dirty="0" smtClean="0"/>
                     </a:p>
                   </a:txBody>
                   <a:tcPr/>
@@ -24200,7 +24225,11 @@
                     <a:p>
                       <a:r>
                         <a:rPr lang="de-DE" b="0" dirty="0" smtClean="0"/>
-                        <a:t>02 | Vorbereitung und Projektsetup</a:t>
+                        <a:t>02 | Vorbereitung und </a:t>
+                      </a:r>
+                      <a:r>
+                        <a:rPr lang="de-DE" b="0" dirty="0" smtClean="0"/>
+                        <a:t>Projektsetup + Hands On</a:t>
                       </a:r>
                       <a:endParaRPr lang="de-DE" b="0" dirty="0"/>
                     </a:p>
@@ -24238,7 +24267,79 @@
                       </a:pPr>
                       <a:r>
                         <a:rPr lang="de-DE" dirty="0" smtClean="0"/>
-                        <a:t>12:30 –</a:t>
+                        <a:t>11:00 – 12:00</a:t>
+                      </a:r>
+                      <a:endParaRPr lang="de-DE" dirty="0" smtClean="0"/>
+                    </a:p>
+                  </a:txBody>
+                  <a:tcPr/>
+                </a:tc>
+                <a:tc>
+                  <a:txBody>
+                    <a:bodyPr/>
+                    <a:lstStyle/>
+                    <a:p>
+                      <a:pPr marL="0" marR="0" lvl="0" indent="0" algn="l" defTabSz="914332" rtl="0" eaLnBrk="1" fontAlgn="auto" latinLnBrk="0" hangingPunct="1">
+                        <a:lnSpc>
+                          <a:spcPct val="100000"/>
+                        </a:lnSpc>
+                        <a:spcBef>
+                          <a:spcPts val="0"/>
+                        </a:spcBef>
+                        <a:spcAft>
+                          <a:spcPts val="0"/>
+                        </a:spcAft>
+                        <a:buClrTx/>
+                        <a:buSzTx/>
+                        <a:buFontTx/>
+                        <a:buNone/>
+                        <a:tabLst/>
+                        <a:defRPr/>
+                      </a:pPr>
+                      <a:r>
+                        <a:rPr lang="de-DE" b="0" dirty="0" smtClean="0"/>
+                        <a:t>Vortrag EF</a:t>
+                      </a:r>
+                    </a:p>
+                  </a:txBody>
+                  <a:tcPr/>
+                </a:tc>
+                <a:extLst>
+                  <a:ext uri="{0D108BD9-81ED-4DB2-BD59-A6C34878D82A}">
+                    <a16:rowId xmlns:a16="http://schemas.microsoft.com/office/drawing/2014/main" val="1197548529"/>
+                  </a:ext>
+                </a:extLst>
+              </a:tr>
+              <a:tr h="370840">
+                <a:tc>
+                  <a:txBody>
+                    <a:bodyPr/>
+                    <a:lstStyle/>
+                    <a:p>
+                      <a:pPr marL="0" marR="0" indent="0" algn="l" defTabSz="914332" rtl="0" eaLnBrk="1" fontAlgn="auto" latinLnBrk="0" hangingPunct="1">
+                        <a:lnSpc>
+                          <a:spcPct val="100000"/>
+                        </a:lnSpc>
+                        <a:spcBef>
+                          <a:spcPts val="0"/>
+                        </a:spcBef>
+                        <a:spcAft>
+                          <a:spcPts val="0"/>
+                        </a:spcAft>
+                        <a:buClrTx/>
+                        <a:buSzTx/>
+                        <a:buFontTx/>
+                        <a:buNone/>
+                        <a:tabLst/>
+                        <a:defRPr/>
+                      </a:pPr>
+                      <a:r>
+                        <a:rPr lang="de-DE" dirty="0" smtClean="0"/>
+                        <a:t>12:00 </a:t>
+                      </a:r>
+                      <a:r>
+                        <a:rPr lang="de-DE" dirty="0" smtClean="0"/>
+                        <a:t>–</a:t>
                       </a:r>
                       <a:r>
                         <a:rPr lang="de-DE" baseline="0" dirty="0" smtClean="0"/>
@@ -24248,6 +24349,7 @@
                         <a:rPr lang="de-DE" dirty="0" smtClean="0"/>
                         <a:t>13:30</a:t>
                       </a:r>
+                      <a:endParaRPr lang="de-DE" dirty="0" smtClean="0"/>
                     </a:p>
                   </a:txBody>
                   <a:tcPr/>
@@ -24306,8 +24408,9 @@
                       </a:r>
                       <a:r>
                         <a:rPr lang="de-DE" dirty="0" smtClean="0"/>
-                        <a:t>15:00</a:t>
+                        <a:t>14:30</a:t>
                       </a:r>
+                      <a:endParaRPr lang="de-DE" dirty="0" smtClean="0"/>
                     </a:p>
                   </a:txBody>
                   <a:tcPr/>
@@ -24323,7 +24426,11 @@
                       </a:r>
                       <a:r>
                         <a:rPr lang="de-DE" b="0" dirty="0" smtClean="0"/>
-                        <a:t>Datenmodellierung und -abfrage mit dem Entity Framework (1)</a:t>
+                        <a:t>EF </a:t>
+                      </a:r>
+                      <a:r>
+                        <a:rPr lang="de-DE" b="0" dirty="0" err="1" smtClean="0"/>
+                        <a:t>Handson</a:t>
                       </a:r>
                       <a:endParaRPr lang="de-DE" b="0" dirty="0"/>
                     </a:p>
@@ -24344,7 +24451,15 @@
                     <a:p>
                       <a:r>
                         <a:rPr lang="de-DE" dirty="0" smtClean="0"/>
-                        <a:t>15:00 – 15:30</a:t>
+                        <a:t>14:30 </a:t>
+                      </a:r>
+                      <a:r>
+                        <a:rPr lang="de-DE" dirty="0" smtClean="0"/>
+                        <a:t>– </a:t>
+                      </a:r>
+                      <a:r>
+                        <a:rPr lang="de-DE" dirty="0" smtClean="0"/>
+                        <a:t>14:45</a:t>
                       </a:r>
                       <a:endParaRPr lang="de-DE" dirty="0"/>
                     </a:p>
@@ -24383,12 +24498,16 @@
                     <a:lstStyle/>
                     <a:p>
                       <a:r>
-                        <a:rPr lang="de-DE" smtClean="0"/>
-                        <a:t>15:30 </a:t>
+                        <a:rPr lang="de-DE" dirty="0" smtClean="0"/>
+                        <a:t>14:45 </a:t>
                       </a:r>
                       <a:r>
                         <a:rPr lang="de-DE" dirty="0" smtClean="0"/>
-                        <a:t>– 17:00</a:t>
+                        <a:t>– </a:t>
+                      </a:r>
+                      <a:r>
+                        <a:rPr lang="de-DE" dirty="0" smtClean="0"/>
+                        <a:t>16:45</a:t>
                       </a:r>
                       <a:endParaRPr lang="de-DE" dirty="0"/>
                     </a:p>
@@ -24419,23 +24538,15 @@
                       </a:pPr>
                       <a:r>
                         <a:rPr lang="de-DE" b="0" dirty="0" smtClean="0"/>
-                        <a:t>03 |</a:t>
-                      </a:r>
-                      <a:r>
-                        <a:rPr lang="de-DE" b="0" baseline="0" dirty="0" smtClean="0"/>
-                        <a:t> </a:t>
+                        <a:t>03 </a:t>
                       </a:r>
                       <a:r>
                         <a:rPr lang="de-DE" b="0" dirty="0" smtClean="0"/>
-                        <a:t>Datenmodellierung und -abfrage mit dem Entity Framework</a:t>
+                        <a:t>|MVC Vortrag + </a:t>
                       </a:r>
                       <a:r>
-                        <a:rPr lang="de-DE" b="0" baseline="0" dirty="0"/>
-                        <a:t> </a:t>
-                      </a:r>
-                      <a:r>
-                        <a:rPr lang="de-DE" b="0" baseline="0" dirty="0" smtClean="0"/>
-                        <a:t>(2)</a:t>
+                        <a:rPr lang="de-DE" b="0" dirty="0" err="1" smtClean="0"/>
+                        <a:t>HandsOn</a:t>
                       </a:r>
                       <a:endParaRPr lang="de-DE" b="0" dirty="0" smtClean="0"/>
                     </a:p>
@@ -24445,6 +24556,58 @@
                 <a:extLst>
                   <a:ext uri="{0D108BD9-81ED-4DB2-BD59-A6C34878D82A}">
                     <a16:rowId xmlns:a16="http://schemas.microsoft.com/office/drawing/2014/main" val="10007"/>
+                  </a:ext>
+                </a:extLst>
+              </a:tr>
+              <a:tr h="370840">
+                <a:tc>
+                  <a:txBody>
+                    <a:bodyPr/>
+                    <a:lstStyle/>
+                    <a:p>
+                      <a:r>
+                        <a:rPr lang="de-DE" dirty="0" smtClean="0"/>
+                        <a:t>16:45 – 17:00</a:t>
+                      </a:r>
+                      <a:endParaRPr lang="de-DE" dirty="0"/>
+                    </a:p>
+                  </a:txBody>
+                  <a:tcPr/>
+                </a:tc>
+                <a:tc>
+                  <a:txBody>
+                    <a:bodyPr/>
+                    <a:lstStyle/>
+                    <a:p>
+                      <a:pPr marL="0" marR="0" indent="0" algn="l" defTabSz="914332" rtl="0" eaLnBrk="1" fontAlgn="auto" latinLnBrk="0" hangingPunct="1">
+                        <a:lnSpc>
+                          <a:spcPct val="100000"/>
+                        </a:lnSpc>
+                        <a:spcBef>
+                          <a:spcPts val="0"/>
+                        </a:spcBef>
+                        <a:spcAft>
+                          <a:spcPts val="0"/>
+                        </a:spcAft>
+                        <a:buClrTx/>
+                        <a:buSzTx/>
+                        <a:buFontTx/>
+                        <a:buNone/>
+                        <a:tabLst/>
+                        <a:defRPr/>
+                      </a:pPr>
+                      <a:r>
+                        <a:rPr lang="de-DE" b="0" dirty="0" smtClean="0"/>
+                        <a:t>Abschluss</a:t>
+                      </a:r>
+                      <a:endParaRPr lang="de-DE" b="0" dirty="0" smtClean="0"/>
+                    </a:p>
+                  </a:txBody>
+                  <a:tcPr/>
+                </a:tc>
+                <a:extLst>
+                  <a:ext uri="{0D108BD9-81ED-4DB2-BD59-A6C34878D82A}">
+                    <a16:rowId xmlns:a16="http://schemas.microsoft.com/office/drawing/2014/main" val="3550880223"/>
                   </a:ext>
                 </a:extLst>
               </a:tr>

--- a/01. Überblick/Überblick Workshop.pptx
+++ b/01. Überblick/Überblick Workshop.pptx
@@ -232,7 +232,7 @@
 </file>
 
 <file path=ppt/charts/chart1.xml><?xml version="1.0" encoding="utf-8"?>
-<c:chartSpace xmlns:c="http://schemas.openxmlformats.org/drawingml/2006/chart" xmlns:a="http://schemas.openxmlformats.org/drawingml/2006/main" xmlns:r="http://schemas.openxmlformats.org/officeDocument/2006/relationships" xmlns:c16r2="http://schemas.microsoft.com/office/drawing/2015/06/chart">
+<c:chartSpace xmlns:c="http://schemas.openxmlformats.org/drawingml/2006/chart" xmlns:a="http://schemas.openxmlformats.org/drawingml/2006/main" xmlns:r="http://schemas.openxmlformats.org/officeDocument/2006/relationships">
   <c:date1904 val="0"/>
   <c:lang val="de-DE"/>
   <c:roundedCorners val="0"/>
@@ -295,11 +295,11 @@
               <c:showSerName val="0"/>
               <c:showPercent val="0"/>
               <c:showBubbleSize val="0"/>
-              <c:extLst>
-                <c:ext xmlns:c15="http://schemas.microsoft.com/office/drawing/2012/chart" uri="{CE6537A1-D6FC-4f65-9D91-7224C49458BB}"/>
+              <c:extLst xmlns:c16r2="http://schemas.microsoft.com/office/drawing/2015/06/chart">
                 <c:ext xmlns:c16="http://schemas.microsoft.com/office/drawing/2014/chart" uri="{C3380CC4-5D6E-409C-BE32-E72D297353CC}">
                   <c16:uniqueId val="{00000000-E6F2-4860-8F3A-116C4032D53C}"/>
                 </c:ext>
+                <c:ext xmlns:c15="http://schemas.microsoft.com/office/drawing/2012/chart" uri="{CE6537A1-D6FC-4f65-9D91-7224C49458BB}"/>
               </c:extLst>
             </c:dLbl>
             <c:spPr>
@@ -326,7 +326,7 @@
             <c:showPercent val="0"/>
             <c:showBubbleSize val="0"/>
             <c:showLeaderLines val="0"/>
-            <c:extLst>
+            <c:extLst xmlns:c16r2="http://schemas.microsoft.com/office/drawing/2015/06/chart">
               <c:ext xmlns:c15="http://schemas.microsoft.com/office/drawing/2012/chart" uri="{CE6537A1-D6FC-4f65-9D91-7224C49458BB}">
                 <c15:showLeaderLines val="0"/>
               </c:ext>
@@ -374,7 +374,7 @@
               </c:numCache>
             </c:numRef>
           </c:val>
-          <c:extLst>
+          <c:extLst xmlns:c16r2="http://schemas.microsoft.com/office/drawing/2015/06/chart">
             <c:ext xmlns:c16="http://schemas.microsoft.com/office/drawing/2014/chart" uri="{C3380CC4-5D6E-409C-BE32-E72D297353CC}">
               <c16:uniqueId val="{00000001-E6F2-4860-8F3A-116C4032D53C}"/>
             </c:ext>
@@ -390,11 +390,11 @@
         </c:dLbls>
         <c:gapWidth val="24"/>
         <c:overlap val="100"/>
-        <c:axId val="361889352"/>
-        <c:axId val="361888960"/>
+        <c:axId val="400983424"/>
+        <c:axId val="400987344"/>
       </c:barChart>
       <c:catAx>
-        <c:axId val="361889352"/>
+        <c:axId val="400983424"/>
         <c:scaling>
           <c:orientation val="minMax"/>
         </c:scaling>
@@ -414,7 +414,7 @@
             <a:endParaRPr lang="de-DE"/>
           </a:p>
         </c:txPr>
-        <c:crossAx val="361888960"/>
+        <c:crossAx val="400987344"/>
         <c:crosses val="autoZero"/>
         <c:auto val="1"/>
         <c:lblAlgn val="ctr"/>
@@ -422,7 +422,7 @@
         <c:noMultiLvlLbl val="0"/>
       </c:catAx>
       <c:valAx>
-        <c:axId val="361888960"/>
+        <c:axId val="400987344"/>
         <c:scaling>
           <c:orientation val="minMax"/>
         </c:scaling>
@@ -432,7 +432,7 @@
         <c:majorTickMark val="out"/>
         <c:minorTickMark val="none"/>
         <c:tickLblPos val="none"/>
-        <c:crossAx val="361889352"/>
+        <c:crossAx val="400983424"/>
         <c:crosses val="autoZero"/>
         <c:crossBetween val="between"/>
       </c:valAx>
@@ -554,7 +554,7 @@
               <a:pPr>
                 <a:defRPr/>
               </a:pPr>
-              <a:t>10.11.2016</a:t>
+              <a:t>30.01.2017</a:t>
             </a:fld>
             <a:endParaRPr lang="de-DE"/>
           </a:p>
@@ -753,7 +753,7 @@
               <a:pPr>
                 <a:defRPr/>
               </a:pPr>
-              <a:t>2016-11-10</a:t>
+              <a:t>2017-01-30</a:t>
             </a:fld>
             <a:endParaRPr lang="sv-SE"/>
           </a:p>
@@ -20788,10 +20788,9 @@
           <a:lstStyle/>
           <a:p>
             <a:r>
-              <a:rPr lang="de-DE" dirty="0"/>
-              <a:t>Felix Radzanowski</a:t>
-            </a:r>
-            <a:endParaRPr lang="de-DE" dirty="0" smtClean="0"/>
+              <a:rPr lang="de-DE" dirty="0" smtClean="0"/>
+              <a:t>Benedikt Bergmann</a:t>
+            </a:r>
           </a:p>
         </p:txBody>
       </p:sp>
@@ -20832,7 +20831,7 @@
             </a:r>
             <a:r>
               <a:rPr lang="de-DE" dirty="0" smtClean="0"/>
-              <a:t> Science Software-Engineering</a:t>
+              <a:t> Science Informatik</a:t>
             </a:r>
           </a:p>
           <a:p>
@@ -20843,15 +20842,7 @@
             </a:pPr>
             <a:r>
               <a:rPr lang="de-DE" dirty="0" smtClean="0"/>
-              <a:t>Ehemals </a:t>
-            </a:r>
-            <a:r>
-              <a:rPr lang="de-DE" dirty="0" err="1" smtClean="0"/>
-              <a:t>Bachelorand</a:t>
-            </a:r>
-            <a:r>
-              <a:rPr lang="de-DE" dirty="0" smtClean="0"/>
-              <a:t> bei Acando </a:t>
+              <a:t>Duales Studium bei der Telekom</a:t>
             </a:r>
           </a:p>
           <a:p>
@@ -20895,27 +20886,13 @@
             </a:pPr>
             <a:r>
               <a:rPr lang="de-DE" dirty="0" smtClean="0"/>
-              <a:t>SharePoint</a:t>
-            </a:r>
-          </a:p>
-          <a:p>
-            <a:pPr lvl="1">
-              <a:spcBef>
-                <a:spcPts val="2400"/>
-              </a:spcBef>
-            </a:pPr>
-            <a:r>
-              <a:rPr lang="de-DE" dirty="0" smtClean="0"/>
               <a:t>JavaScript, </a:t>
             </a:r>
             <a:r>
               <a:rPr lang="de-DE" dirty="0" err="1" smtClean="0"/>
-              <a:t>Durandal</a:t>
-            </a:r>
-            <a:r>
-              <a:rPr lang="de-DE" dirty="0" smtClean="0"/>
-              <a:t>, KnockoutJS</a:t>
-            </a:r>
+              <a:t>AngularJS</a:t>
+            </a:r>
+            <a:endParaRPr lang="de-DE" dirty="0" smtClean="0"/>
           </a:p>
         </p:txBody>
       </p:sp>
@@ -20957,7 +20934,13 @@
           <p:nvPr/>
         </p:nvPicPr>
         <p:blipFill>
-          <a:blip r:embed="rId3"/>
+          <a:blip r:embed="rId3">
+            <a:extLst>
+              <a:ext uri="{28A0092B-C50C-407E-A947-70E740481C1C}">
+                <a14:useLocalDpi xmlns:a14="http://schemas.microsoft.com/office/drawing/2010/main" val="0"/>
+              </a:ext>
+            </a:extLst>
+          </a:blip>
           <a:stretch>
             <a:fillRect/>
           </a:stretch>
@@ -21426,14 +21409,14 @@
                 <a:gridCol w="208280">
                   <a:extLst>
                     <a:ext uri="{9D8B030D-6E8A-4147-A177-3AD203B41FA5}">
-                      <a16:colId xmlns:a16="http://schemas.microsoft.com/office/drawing/2014/main" val="20000"/>
+                      <a16:colId xmlns="" xmlns:a16="http://schemas.microsoft.com/office/drawing/2014/main" val="20000"/>
                     </a:ext>
                   </a:extLst>
                 </a:gridCol>
                 <a:gridCol w="8719897">
                   <a:extLst>
                     <a:ext uri="{9D8B030D-6E8A-4147-A177-3AD203B41FA5}">
-                      <a16:colId xmlns:a16="http://schemas.microsoft.com/office/drawing/2014/main" val="20001"/>
+                      <a16:colId xmlns="" xmlns:a16="http://schemas.microsoft.com/office/drawing/2014/main" val="20001"/>
                     </a:ext>
                   </a:extLst>
                 </a:gridCol>
@@ -21485,7 +21468,7 @@
                 </a:tc>
                 <a:extLst>
                   <a:ext uri="{0D108BD9-81ED-4DB2-BD59-A6C34878D82A}">
-                    <a16:rowId xmlns:a16="http://schemas.microsoft.com/office/drawing/2014/main" val="10000"/>
+                    <a16:rowId xmlns="" xmlns:a16="http://schemas.microsoft.com/office/drawing/2014/main" val="10000"/>
                   </a:ext>
                 </a:extLst>
               </a:tr>
@@ -21516,7 +21499,7 @@
                 </a:tc>
                 <a:extLst>
                   <a:ext uri="{0D108BD9-81ED-4DB2-BD59-A6C34878D82A}">
-                    <a16:rowId xmlns:a16="http://schemas.microsoft.com/office/drawing/2014/main" val="10001"/>
+                    <a16:rowId xmlns="" xmlns:a16="http://schemas.microsoft.com/office/drawing/2014/main" val="10001"/>
                   </a:ext>
                 </a:extLst>
               </a:tr>
@@ -21703,14 +21686,14 @@
                 <a:gridCol w="208280">
                   <a:extLst>
                     <a:ext uri="{9D8B030D-6E8A-4147-A177-3AD203B41FA5}">
-                      <a16:colId xmlns:a16="http://schemas.microsoft.com/office/drawing/2014/main" val="20000"/>
+                      <a16:colId xmlns="" xmlns:a16="http://schemas.microsoft.com/office/drawing/2014/main" val="20000"/>
                     </a:ext>
                   </a:extLst>
                 </a:gridCol>
                 <a:gridCol w="8719897">
                   <a:extLst>
                     <a:ext uri="{9D8B030D-6E8A-4147-A177-3AD203B41FA5}">
-                      <a16:colId xmlns:a16="http://schemas.microsoft.com/office/drawing/2014/main" val="20001"/>
+                      <a16:colId xmlns="" xmlns:a16="http://schemas.microsoft.com/office/drawing/2014/main" val="20001"/>
                     </a:ext>
                   </a:extLst>
                 </a:gridCol>
@@ -21762,7 +21745,7 @@
                 </a:tc>
                 <a:extLst>
                   <a:ext uri="{0D108BD9-81ED-4DB2-BD59-A6C34878D82A}">
-                    <a16:rowId xmlns:a16="http://schemas.microsoft.com/office/drawing/2014/main" val="10000"/>
+                    <a16:rowId xmlns="" xmlns:a16="http://schemas.microsoft.com/office/drawing/2014/main" val="10000"/>
                   </a:ext>
                 </a:extLst>
               </a:tr>
@@ -21793,7 +21776,7 @@
                 </a:tc>
                 <a:extLst>
                   <a:ext uri="{0D108BD9-81ED-4DB2-BD59-A6C34878D82A}">
-                    <a16:rowId xmlns:a16="http://schemas.microsoft.com/office/drawing/2014/main" val="10001"/>
+                    <a16:rowId xmlns="" xmlns:a16="http://schemas.microsoft.com/office/drawing/2014/main" val="10001"/>
                   </a:ext>
                 </a:extLst>
               </a:tr>
@@ -21980,14 +21963,14 @@
                 <a:gridCol w="208280">
                   <a:extLst>
                     <a:ext uri="{9D8B030D-6E8A-4147-A177-3AD203B41FA5}">
-                      <a16:colId xmlns:a16="http://schemas.microsoft.com/office/drawing/2014/main" val="20000"/>
+                      <a16:colId xmlns="" xmlns:a16="http://schemas.microsoft.com/office/drawing/2014/main" val="20000"/>
                     </a:ext>
                   </a:extLst>
                 </a:gridCol>
                 <a:gridCol w="8719897">
                   <a:extLst>
                     <a:ext uri="{9D8B030D-6E8A-4147-A177-3AD203B41FA5}">
-                      <a16:colId xmlns:a16="http://schemas.microsoft.com/office/drawing/2014/main" val="20001"/>
+                      <a16:colId xmlns="" xmlns:a16="http://schemas.microsoft.com/office/drawing/2014/main" val="20001"/>
                     </a:ext>
                   </a:extLst>
                 </a:gridCol>
@@ -22039,7 +22022,7 @@
                 </a:tc>
                 <a:extLst>
                   <a:ext uri="{0D108BD9-81ED-4DB2-BD59-A6C34878D82A}">
-                    <a16:rowId xmlns:a16="http://schemas.microsoft.com/office/drawing/2014/main" val="10000"/>
+                    <a16:rowId xmlns="" xmlns:a16="http://schemas.microsoft.com/office/drawing/2014/main" val="10000"/>
                   </a:ext>
                 </a:extLst>
               </a:tr>
@@ -22070,7 +22053,7 @@
                 </a:tc>
                 <a:extLst>
                   <a:ext uri="{0D108BD9-81ED-4DB2-BD59-A6C34878D82A}">
-                    <a16:rowId xmlns:a16="http://schemas.microsoft.com/office/drawing/2014/main" val="10001"/>
+                    <a16:rowId xmlns="" xmlns:a16="http://schemas.microsoft.com/office/drawing/2014/main" val="10001"/>
                   </a:ext>
                 </a:extLst>
               </a:tr>
@@ -22247,14 +22230,14 @@
                 <a:gridCol w="208280">
                   <a:extLst>
                     <a:ext uri="{9D8B030D-6E8A-4147-A177-3AD203B41FA5}">
-                      <a16:colId xmlns:a16="http://schemas.microsoft.com/office/drawing/2014/main" val="20000"/>
+                      <a16:colId xmlns="" xmlns:a16="http://schemas.microsoft.com/office/drawing/2014/main" val="20000"/>
                     </a:ext>
                   </a:extLst>
                 </a:gridCol>
                 <a:gridCol w="8719897">
                   <a:extLst>
                     <a:ext uri="{9D8B030D-6E8A-4147-A177-3AD203B41FA5}">
-                      <a16:colId xmlns:a16="http://schemas.microsoft.com/office/drawing/2014/main" val="20001"/>
+                      <a16:colId xmlns="" xmlns:a16="http://schemas.microsoft.com/office/drawing/2014/main" val="20001"/>
                     </a:ext>
                   </a:extLst>
                 </a:gridCol>
@@ -22306,7 +22289,7 @@
                 </a:tc>
                 <a:extLst>
                   <a:ext uri="{0D108BD9-81ED-4DB2-BD59-A6C34878D82A}">
-                    <a16:rowId xmlns:a16="http://schemas.microsoft.com/office/drawing/2014/main" val="10000"/>
+                    <a16:rowId xmlns="" xmlns:a16="http://schemas.microsoft.com/office/drawing/2014/main" val="10000"/>
                   </a:ext>
                 </a:extLst>
               </a:tr>
@@ -22341,7 +22324,7 @@
                 </a:tc>
                 <a:extLst>
                   <a:ext uri="{0D108BD9-81ED-4DB2-BD59-A6C34878D82A}">
-                    <a16:rowId xmlns:a16="http://schemas.microsoft.com/office/drawing/2014/main" val="10001"/>
+                    <a16:rowId xmlns="" xmlns:a16="http://schemas.microsoft.com/office/drawing/2014/main" val="10001"/>
                   </a:ext>
                 </a:extLst>
               </a:tr>
@@ -22529,14 +22512,14 @@
                 <a:gridCol w="208280">
                   <a:extLst>
                     <a:ext uri="{9D8B030D-6E8A-4147-A177-3AD203B41FA5}">
-                      <a16:colId xmlns:a16="http://schemas.microsoft.com/office/drawing/2014/main" val="20000"/>
+                      <a16:colId xmlns="" xmlns:a16="http://schemas.microsoft.com/office/drawing/2014/main" val="20000"/>
                     </a:ext>
                   </a:extLst>
                 </a:gridCol>
                 <a:gridCol w="8719897">
                   <a:extLst>
                     <a:ext uri="{9D8B030D-6E8A-4147-A177-3AD203B41FA5}">
-                      <a16:colId xmlns:a16="http://schemas.microsoft.com/office/drawing/2014/main" val="20001"/>
+                      <a16:colId xmlns="" xmlns:a16="http://schemas.microsoft.com/office/drawing/2014/main" val="20001"/>
                     </a:ext>
                   </a:extLst>
                 </a:gridCol>
@@ -22588,7 +22571,7 @@
                 </a:tc>
                 <a:extLst>
                   <a:ext uri="{0D108BD9-81ED-4DB2-BD59-A6C34878D82A}">
-                    <a16:rowId xmlns:a16="http://schemas.microsoft.com/office/drawing/2014/main" val="10000"/>
+                    <a16:rowId xmlns="" xmlns:a16="http://schemas.microsoft.com/office/drawing/2014/main" val="10000"/>
                   </a:ext>
                 </a:extLst>
               </a:tr>
@@ -22623,7 +22606,7 @@
                 </a:tc>
                 <a:extLst>
                   <a:ext uri="{0D108BD9-81ED-4DB2-BD59-A6C34878D82A}">
-                    <a16:rowId xmlns:a16="http://schemas.microsoft.com/office/drawing/2014/main" val="10001"/>
+                    <a16:rowId xmlns="" xmlns:a16="http://schemas.microsoft.com/office/drawing/2014/main" val="10001"/>
                   </a:ext>
                 </a:extLst>
               </a:tr>
@@ -23597,14 +23580,14 @@
                 <a:gridCol w="1357132">
                   <a:extLst>
                     <a:ext uri="{9D8B030D-6E8A-4147-A177-3AD203B41FA5}">
-                      <a16:colId xmlns:a16="http://schemas.microsoft.com/office/drawing/2014/main" val="20000"/>
+                      <a16:colId xmlns="" xmlns:a16="http://schemas.microsoft.com/office/drawing/2014/main" val="20000"/>
                     </a:ext>
                   </a:extLst>
                 </a:gridCol>
                 <a:gridCol w="7571045">
                   <a:extLst>
                     <a:ext uri="{9D8B030D-6E8A-4147-A177-3AD203B41FA5}">
-                      <a16:colId xmlns:a16="http://schemas.microsoft.com/office/drawing/2014/main" val="20001"/>
+                      <a16:colId xmlns="" xmlns:a16="http://schemas.microsoft.com/office/drawing/2014/main" val="20001"/>
                     </a:ext>
                   </a:extLst>
                 </a:gridCol>
@@ -23656,7 +23639,7 @@
                 </a:tc>
                 <a:extLst>
                   <a:ext uri="{0D108BD9-81ED-4DB2-BD59-A6C34878D82A}">
-                    <a16:rowId xmlns:a16="http://schemas.microsoft.com/office/drawing/2014/main" val="10000"/>
+                    <a16:rowId xmlns="" xmlns:a16="http://schemas.microsoft.com/office/drawing/2014/main" val="10000"/>
                   </a:ext>
                 </a:extLst>
               </a:tr>
@@ -23691,7 +23674,7 @@
                 </a:tc>
                 <a:extLst>
                   <a:ext uri="{0D108BD9-81ED-4DB2-BD59-A6C34878D82A}">
-                    <a16:rowId xmlns:a16="http://schemas.microsoft.com/office/drawing/2014/main" val="10001"/>
+                    <a16:rowId xmlns="" xmlns:a16="http://schemas.microsoft.com/office/drawing/2014/main" val="10001"/>
                   </a:ext>
                 </a:extLst>
               </a:tr>
@@ -23738,7 +23721,7 @@
                 </a:tc>
                 <a:extLst>
                   <a:ext uri="{0D108BD9-81ED-4DB2-BD59-A6C34878D82A}">
-                    <a16:rowId xmlns:a16="http://schemas.microsoft.com/office/drawing/2014/main" val="10002"/>
+                    <a16:rowId xmlns="" xmlns:a16="http://schemas.microsoft.com/office/drawing/2014/main" val="10002"/>
                   </a:ext>
                 </a:extLst>
               </a:tr>
@@ -23769,7 +23752,7 @@
                 </a:tc>
                 <a:extLst>
                   <a:ext uri="{0D108BD9-81ED-4DB2-BD59-A6C34878D82A}">
-                    <a16:rowId xmlns:a16="http://schemas.microsoft.com/office/drawing/2014/main" val="10003"/>
+                    <a16:rowId xmlns="" xmlns:a16="http://schemas.microsoft.com/office/drawing/2014/main" val="10003"/>
                   </a:ext>
                 </a:extLst>
               </a:tr>
@@ -23800,7 +23783,7 @@
                 </a:tc>
                 <a:extLst>
                   <a:ext uri="{0D108BD9-81ED-4DB2-BD59-A6C34878D82A}">
-                    <a16:rowId xmlns:a16="http://schemas.microsoft.com/office/drawing/2014/main" val="10004"/>
+                    <a16:rowId xmlns="" xmlns:a16="http://schemas.microsoft.com/office/drawing/2014/main" val="10004"/>
                   </a:ext>
                 </a:extLst>
               </a:tr>
@@ -23835,7 +23818,7 @@
                 </a:tc>
                 <a:extLst>
                   <a:ext uri="{0D108BD9-81ED-4DB2-BD59-A6C34878D82A}">
-                    <a16:rowId xmlns:a16="http://schemas.microsoft.com/office/drawing/2014/main" val="10005"/>
+                    <a16:rowId xmlns="" xmlns:a16="http://schemas.microsoft.com/office/drawing/2014/main" val="10005"/>
                   </a:ext>
                 </a:extLst>
               </a:tr>
@@ -23870,7 +23853,7 @@
                 </a:tc>
                 <a:extLst>
                   <a:ext uri="{0D108BD9-81ED-4DB2-BD59-A6C34878D82A}">
-                    <a16:rowId xmlns:a16="http://schemas.microsoft.com/office/drawing/2014/main" val="10006"/>
+                    <a16:rowId xmlns="" xmlns:a16="http://schemas.microsoft.com/office/drawing/2014/main" val="10006"/>
                   </a:ext>
                 </a:extLst>
               </a:tr>
@@ -23909,7 +23892,7 @@
                 </a:tc>
                 <a:extLst>
                   <a:ext uri="{0D108BD9-81ED-4DB2-BD59-A6C34878D82A}">
-                    <a16:rowId xmlns:a16="http://schemas.microsoft.com/office/drawing/2014/main" val="10007"/>
+                    <a16:rowId xmlns="" xmlns:a16="http://schemas.microsoft.com/office/drawing/2014/main" val="10007"/>
                   </a:ext>
                 </a:extLst>
               </a:tr>
@@ -24029,14 +24012,14 @@
                 <a:gridCol w="2084220">
                   <a:extLst>
                     <a:ext uri="{9D8B030D-6E8A-4147-A177-3AD203B41FA5}">
-                      <a16:colId xmlns:a16="http://schemas.microsoft.com/office/drawing/2014/main" val="20000"/>
+                      <a16:colId xmlns="" xmlns:a16="http://schemas.microsoft.com/office/drawing/2014/main" val="20000"/>
                     </a:ext>
                   </a:extLst>
                 </a:gridCol>
                 <a:gridCol w="7815507">
                   <a:extLst>
                     <a:ext uri="{9D8B030D-6E8A-4147-A177-3AD203B41FA5}">
-                      <a16:colId xmlns:a16="http://schemas.microsoft.com/office/drawing/2014/main" val="20001"/>
+                      <a16:colId xmlns="" xmlns:a16="http://schemas.microsoft.com/office/drawing/2014/main" val="20001"/>
                     </a:ext>
                   </a:extLst>
                 </a:gridCol>
@@ -24088,7 +24071,7 @@
                 </a:tc>
                 <a:extLst>
                   <a:ext uri="{0D108BD9-81ED-4DB2-BD59-A6C34878D82A}">
-                    <a16:rowId xmlns:a16="http://schemas.microsoft.com/office/drawing/2014/main" val="10000"/>
+                    <a16:rowId xmlns="" xmlns:a16="http://schemas.microsoft.com/office/drawing/2014/main" val="10000"/>
                   </a:ext>
                 </a:extLst>
               </a:tr>
@@ -24100,15 +24083,7 @@
                     <a:p>
                       <a:r>
                         <a:rPr lang="de-DE" dirty="0" smtClean="0"/>
-                        <a:t>09:00 </a:t>
-                      </a:r>
-                      <a:r>
-                        <a:rPr lang="de-DE" dirty="0" smtClean="0"/>
-                        <a:t>– </a:t>
-                      </a:r>
-                      <a:r>
-                        <a:rPr lang="de-DE" dirty="0" smtClean="0"/>
-                        <a:t>09:30</a:t>
+                        <a:t>09:00 – 09:30</a:t>
                       </a:r>
                       <a:endParaRPr lang="de-DE" dirty="0"/>
                     </a:p>
@@ -24131,7 +24106,7 @@
                 </a:tc>
                 <a:extLst>
                   <a:ext uri="{0D108BD9-81ED-4DB2-BD59-A6C34878D82A}">
-                    <a16:rowId xmlns:a16="http://schemas.microsoft.com/office/drawing/2014/main" val="10001"/>
+                    <a16:rowId xmlns="" xmlns:a16="http://schemas.microsoft.com/office/drawing/2014/main" val="10001"/>
                   </a:ext>
                 </a:extLst>
               </a:tr>
@@ -24143,15 +24118,7 @@
                     <a:p>
                       <a:r>
                         <a:rPr lang="de-DE" dirty="0" smtClean="0"/>
-                        <a:t>09:30 </a:t>
-                      </a:r>
-                      <a:r>
-                        <a:rPr lang="de-DE" dirty="0" smtClean="0"/>
-                        <a:t>– </a:t>
-                      </a:r>
-                      <a:r>
-                        <a:rPr lang="de-DE" dirty="0" smtClean="0"/>
-                        <a:t>10:00</a:t>
+                        <a:t>09:30 – 10:00</a:t>
                       </a:r>
                       <a:endParaRPr lang="de-DE" dirty="0"/>
                     </a:p>
@@ -24174,7 +24141,7 @@
                 </a:tc>
                 <a:extLst>
                   <a:ext uri="{0D108BD9-81ED-4DB2-BD59-A6C34878D82A}">
-                    <a16:rowId xmlns:a16="http://schemas.microsoft.com/office/drawing/2014/main" val="10002"/>
+                    <a16:rowId xmlns="" xmlns:a16="http://schemas.microsoft.com/office/drawing/2014/main" val="10002"/>
                   </a:ext>
                 </a:extLst>
               </a:tr>
@@ -24203,17 +24170,8 @@
                       </a:pPr>
                       <a:r>
                         <a:rPr lang="de-DE" dirty="0" smtClean="0"/>
-                        <a:t>10:00 </a:t>
+                        <a:t>10:00 – 11:00</a:t>
                       </a:r>
-                      <a:r>
-                        <a:rPr lang="de-DE" dirty="0" smtClean="0"/>
-                        <a:t>– </a:t>
-                      </a:r>
-                      <a:r>
-                        <a:rPr lang="de-DE" dirty="0" smtClean="0"/>
-                        <a:t>11:00</a:t>
-                      </a:r>
-                      <a:endParaRPr lang="de-DE" dirty="0" smtClean="0"/>
                     </a:p>
                   </a:txBody>
                   <a:tcPr/>
@@ -24225,11 +24183,7 @@
                     <a:p>
                       <a:r>
                         <a:rPr lang="de-DE" b="0" dirty="0" smtClean="0"/>
-                        <a:t>02 | Vorbereitung und </a:t>
-                      </a:r>
-                      <a:r>
-                        <a:rPr lang="de-DE" b="0" dirty="0" smtClean="0"/>
-                        <a:t>Projektsetup + Hands On</a:t>
+                        <a:t>02 | Vorbereitung und Projektsetup + Hands On</a:t>
                       </a:r>
                       <a:endParaRPr lang="de-DE" b="0" dirty="0"/>
                     </a:p>
@@ -24238,7 +24192,7 @@
                 </a:tc>
                 <a:extLst>
                   <a:ext uri="{0D108BD9-81ED-4DB2-BD59-A6C34878D82A}">
-                    <a16:rowId xmlns:a16="http://schemas.microsoft.com/office/drawing/2014/main" val="10003"/>
+                    <a16:rowId xmlns="" xmlns:a16="http://schemas.microsoft.com/office/drawing/2014/main" val="10003"/>
                   </a:ext>
                 </a:extLst>
               </a:tr>
@@ -24269,7 +24223,6 @@
                         <a:rPr lang="de-DE" dirty="0" smtClean="0"/>
                         <a:t>11:00 – 12:00</a:t>
                       </a:r>
-                      <a:endParaRPr lang="de-DE" dirty="0" smtClean="0"/>
                     </a:p>
                   </a:txBody>
                   <a:tcPr/>
@@ -24306,7 +24259,7 @@
                 </a:tc>
                 <a:extLst>
                   <a:ext uri="{0D108BD9-81ED-4DB2-BD59-A6C34878D82A}">
-                    <a16:rowId xmlns:a16="http://schemas.microsoft.com/office/drawing/2014/main" val="1197548529"/>
+                    <a16:rowId xmlns="" xmlns:a16="http://schemas.microsoft.com/office/drawing/2014/main" val="1197548529"/>
                   </a:ext>
                 </a:extLst>
               </a:tr>
@@ -24335,11 +24288,7 @@
                       </a:pPr>
                       <a:r>
                         <a:rPr lang="de-DE" dirty="0" smtClean="0"/>
-                        <a:t>12:00 </a:t>
-                      </a:r>
-                      <a:r>
-                        <a:rPr lang="de-DE" dirty="0" smtClean="0"/>
-                        <a:t>–</a:t>
+                        <a:t>12:00 –</a:t>
                       </a:r>
                       <a:r>
                         <a:rPr lang="de-DE" baseline="0" dirty="0" smtClean="0"/>
@@ -24349,7 +24298,6 @@
                         <a:rPr lang="de-DE" dirty="0" smtClean="0"/>
                         <a:t>13:30</a:t>
                       </a:r>
-                      <a:endParaRPr lang="de-DE" dirty="0" smtClean="0"/>
                     </a:p>
                   </a:txBody>
                   <a:tcPr/>
@@ -24371,7 +24319,7 @@
                 </a:tc>
                 <a:extLst>
                   <a:ext uri="{0D108BD9-81ED-4DB2-BD59-A6C34878D82A}">
-                    <a16:rowId xmlns:a16="http://schemas.microsoft.com/office/drawing/2014/main" val="10004"/>
+                    <a16:rowId xmlns="" xmlns:a16="http://schemas.microsoft.com/office/drawing/2014/main" val="10004"/>
                   </a:ext>
                 </a:extLst>
               </a:tr>
@@ -24410,7 +24358,6 @@
                         <a:rPr lang="de-DE" dirty="0" smtClean="0"/>
                         <a:t>14:30</a:t>
                       </a:r>
-                      <a:endParaRPr lang="de-DE" dirty="0" smtClean="0"/>
                     </a:p>
                   </a:txBody>
                   <a:tcPr/>
@@ -24439,7 +24386,7 @@
                 </a:tc>
                 <a:extLst>
                   <a:ext uri="{0D108BD9-81ED-4DB2-BD59-A6C34878D82A}">
-                    <a16:rowId xmlns:a16="http://schemas.microsoft.com/office/drawing/2014/main" val="10005"/>
+                    <a16:rowId xmlns="" xmlns:a16="http://schemas.microsoft.com/office/drawing/2014/main" val="10005"/>
                   </a:ext>
                 </a:extLst>
               </a:tr>
@@ -24451,15 +24398,7 @@
                     <a:p>
                       <a:r>
                         <a:rPr lang="de-DE" dirty="0" smtClean="0"/>
-                        <a:t>14:30 </a:t>
-                      </a:r>
-                      <a:r>
-                        <a:rPr lang="de-DE" dirty="0" smtClean="0"/>
-                        <a:t>– </a:t>
-                      </a:r>
-                      <a:r>
-                        <a:rPr lang="de-DE" dirty="0" smtClean="0"/>
-                        <a:t>14:45</a:t>
+                        <a:t>14:30 – 14:45</a:t>
                       </a:r>
                       <a:endParaRPr lang="de-DE" dirty="0"/>
                     </a:p>
@@ -24487,7 +24426,7 @@
                 </a:tc>
                 <a:extLst>
                   <a:ext uri="{0D108BD9-81ED-4DB2-BD59-A6C34878D82A}">
-                    <a16:rowId xmlns:a16="http://schemas.microsoft.com/office/drawing/2014/main" val="10006"/>
+                    <a16:rowId xmlns="" xmlns:a16="http://schemas.microsoft.com/office/drawing/2014/main" val="10006"/>
                   </a:ext>
                 </a:extLst>
               </a:tr>
@@ -24499,15 +24438,7 @@
                     <a:p>
                       <a:r>
                         <a:rPr lang="de-DE" dirty="0" smtClean="0"/>
-                        <a:t>14:45 </a:t>
-                      </a:r>
-                      <a:r>
-                        <a:rPr lang="de-DE" dirty="0" smtClean="0"/>
-                        <a:t>– </a:t>
-                      </a:r>
-                      <a:r>
-                        <a:rPr lang="de-DE" dirty="0" smtClean="0"/>
-                        <a:t>16:45</a:t>
+                        <a:t>14:45 – 16:45</a:t>
                       </a:r>
                       <a:endParaRPr lang="de-DE" dirty="0"/>
                     </a:p>
@@ -24538,11 +24469,7 @@
                       </a:pPr>
                       <a:r>
                         <a:rPr lang="de-DE" b="0" dirty="0" smtClean="0"/>
-                        <a:t>03 </a:t>
-                      </a:r>
-                      <a:r>
-                        <a:rPr lang="de-DE" b="0" dirty="0" smtClean="0"/>
-                        <a:t>|MVC Vortrag + </a:t>
+                        <a:t>03 |MVC Vortrag + </a:t>
                       </a:r>
                       <a:r>
                         <a:rPr lang="de-DE" b="0" dirty="0" err="1" smtClean="0"/>
@@ -24555,7 +24482,7 @@
                 </a:tc>
                 <a:extLst>
                   <a:ext uri="{0D108BD9-81ED-4DB2-BD59-A6C34878D82A}">
-                    <a16:rowId xmlns:a16="http://schemas.microsoft.com/office/drawing/2014/main" val="10007"/>
+                    <a16:rowId xmlns="" xmlns:a16="http://schemas.microsoft.com/office/drawing/2014/main" val="10007"/>
                   </a:ext>
                 </a:extLst>
               </a:tr>
@@ -24600,14 +24527,13 @@
                         <a:rPr lang="de-DE" b="0" dirty="0" smtClean="0"/>
                         <a:t>Abschluss</a:t>
                       </a:r>
-                      <a:endParaRPr lang="de-DE" b="0" dirty="0" smtClean="0"/>
                     </a:p>
                   </a:txBody>
                   <a:tcPr/>
                 </a:tc>
                 <a:extLst>
                   <a:ext uri="{0D108BD9-81ED-4DB2-BD59-A6C34878D82A}">
-                    <a16:rowId xmlns:a16="http://schemas.microsoft.com/office/drawing/2014/main" val="3550880223"/>
+                    <a16:rowId xmlns="" xmlns:a16="http://schemas.microsoft.com/office/drawing/2014/main" val="3550880223"/>
                   </a:ext>
                 </a:extLst>
               </a:tr>

--- a/01. Überblick/Überblick Workshop.pptx
+++ b/01. Überblick/Überblick Workshop.pptx
@@ -275,7 +275,6 @@
           <c:dLbls>
             <c:dLbl>
               <c:idx val="3"/>
-              <c:layout/>
               <c:tx>
                 <c:rich>
                   <a:bodyPr/>
@@ -296,9 +295,7 @@
               <c:showPercent val="0"/>
               <c:showBubbleSize val="0"/>
               <c:extLst>
-                <c:ext xmlns:c15="http://schemas.microsoft.com/office/drawing/2012/chart" uri="{CE6537A1-D6FC-4f65-9D91-7224C49458BB}">
-                  <c15:layout/>
-                </c:ext>
+                <c:ext xmlns:c15="http://schemas.microsoft.com/office/drawing/2012/chart" uri="{CE6537A1-D6FC-4f65-9D91-7224C49458BB}"/>
                 <c:ext xmlns:c16="http://schemas.microsoft.com/office/drawing/2014/chart" uri="{C3380CC4-5D6E-409C-BE32-E72D297353CC}">
                   <c16:uniqueId val="{00000000-E6F2-4860-8F3A-116C4032D53C}"/>
                 </c:ext>
@@ -330,7 +327,6 @@
             <c:showLeaderLines val="0"/>
             <c:extLst>
               <c:ext xmlns:c15="http://schemas.microsoft.com/office/drawing/2012/chart" uri="{CE6537A1-D6FC-4f65-9D91-7224C49458BB}">
-                <c15:layout/>
                 <c15:showLeaderLines val="0"/>
               </c:ext>
             </c:extLst>
@@ -7656,7 +7652,6 @@
               <a:rPr lang="de-DE" dirty="0" smtClean="0"/>
               <a:t>Florian Sibinger</a:t>
             </a:r>
-            <a:endParaRPr lang="de-DE" dirty="0" smtClean="0"/>
           </a:p>
         </p:txBody>
       </p:sp>
@@ -19761,7 +19756,6 @@
               <a:rPr lang="de-DE" dirty="0"/>
               <a:t>Sadeq Abu Hantash</a:t>
             </a:r>
-            <a:endParaRPr lang="de-DE" dirty="0"/>
           </a:p>
         </p:txBody>
       </p:sp>
@@ -20674,37 +20668,35 @@
           </a:p>
         </p:txBody>
       </p:sp>
-      <p:sp>
-        <p:nvSpPr>
-          <p:cNvPr id="15366" name="Inhaltsplatzhalter 11"/>
-          <p:cNvSpPr>
-            <a:spLocks noGrp="1"/>
-          </p:cNvSpPr>
+      <p:pic>
+        <p:nvPicPr>
+          <p:cNvPr id="2" name="Inhaltsplatzhalter 1"/>
+          <p:cNvPicPr>
+            <a:picLocks noGrp="1"/>
+          </p:cNvPicPr>
           <p:nvPr>
             <p:ph idx="1"/>
           </p:nvPr>
-        </p:nvSpPr>
+        </p:nvPicPr>
+        <p:blipFill>
+          <a:blip r:embed="rId3" cstate="print">
+            <a:extLst>
+              <a:ext uri="{28A0092B-C50C-407E-A947-70E740481C1C}">
+                <a14:useLocalDpi xmlns:a14="http://schemas.microsoft.com/office/drawing/2010/main" val="0"/>
+              </a:ext>
+            </a:extLst>
+          </a:blip>
+          <a:stretch>
+            <a:fillRect/>
+          </a:stretch>
+        </p:blipFill>
         <p:spPr>
           <a:xfrm>
-            <a:off x="587297" y="1341749"/>
-            <a:ext cx="8956753" cy="5134465"/>
+            <a:off x="8819141" y="1239473"/>
+            <a:ext cx="2783973" cy="2592000"/>
           </a:xfrm>
         </p:spPr>
-        <p:txBody>
-          <a:bodyPr anchor="t">
-            <a:noAutofit/>
-          </a:bodyPr>
-          <a:lstStyle/>
-          <a:p>
-            <a:pPr>
-              <a:spcBef>
-                <a:spcPts val="2400"/>
-              </a:spcBef>
-            </a:pPr>
-            <a:endParaRPr lang="de-DE" dirty="0" smtClean="0"/>
-          </a:p>
-        </p:txBody>
-      </p:sp>
+      </p:pic>
       <p:sp>
         <p:nvSpPr>
           <p:cNvPr id="11" name="Foliennummernplatzhalter 10"/>
@@ -20731,6 +20723,143 @@
               <a:t>3</a:t>
             </a:fld>
             <a:endParaRPr lang="sv-SE" dirty="0"/>
+          </a:p>
+        </p:txBody>
+      </p:sp>
+      <p:sp>
+        <p:nvSpPr>
+          <p:cNvPr id="6" name="Inhaltsplatzhalter 11"/>
+          <p:cNvSpPr>
+            <a:spLocks noGrp="1"/>
+          </p:cNvSpPr>
+          <p:nvPr>
+            <p:ph idx="1"/>
+          </p:nvPr>
+        </p:nvSpPr>
+        <p:spPr>
+          <a:xfrm>
+            <a:off x="587297" y="1341749"/>
+            <a:ext cx="8956753" cy="5134465"/>
+          </a:xfrm>
+        </p:spPr>
+        <p:txBody>
+          <a:bodyPr anchor="t">
+            <a:noAutofit/>
+          </a:bodyPr>
+          <a:lstStyle/>
+          <a:p>
+            <a:pPr>
+              <a:spcBef>
+                <a:spcPts val="2400"/>
+              </a:spcBef>
+            </a:pPr>
+            <a:r>
+              <a:rPr lang="de-DE" dirty="0" err="1" smtClean="0"/>
+              <a:t>B.Sc</a:t>
+            </a:r>
+            <a:r>
+              <a:rPr lang="de-DE" dirty="0" smtClean="0"/>
+              <a:t>. Informatik</a:t>
+            </a:r>
+            <a:endParaRPr lang="de-DE" dirty="0" smtClean="0"/>
+          </a:p>
+          <a:p>
+            <a:pPr>
+              <a:spcBef>
+                <a:spcPts val="2400"/>
+              </a:spcBef>
+            </a:pPr>
+            <a:r>
+              <a:rPr lang="de-DE" dirty="0" smtClean="0"/>
+              <a:t>Consultant </a:t>
+            </a:r>
+            <a:r>
+              <a:rPr lang="de-DE" dirty="0"/>
+              <a:t>Microsoft </a:t>
+            </a:r>
+            <a:r>
+              <a:rPr lang="de-DE" dirty="0" smtClean="0"/>
+              <a:t>Consulting</a:t>
+            </a:r>
+            <a:endParaRPr lang="de-DE" dirty="0" smtClean="0"/>
+          </a:p>
+          <a:p>
+            <a:pPr lvl="1">
+              <a:spcBef>
+                <a:spcPts val="2400"/>
+              </a:spcBef>
+            </a:pPr>
+            <a:r>
+              <a:rPr lang="de-DE" dirty="0" smtClean="0"/>
+              <a:t>Technologieberatung für Microsoft-Produkte </a:t>
+            </a:r>
+            <a:endParaRPr lang="de-DE" sz="1800" dirty="0"/>
+          </a:p>
+          <a:p>
+            <a:pPr lvl="1">
+              <a:spcBef>
+                <a:spcPts val="2400"/>
+              </a:spcBef>
+            </a:pPr>
+            <a:r>
+              <a:rPr lang="de-DE" dirty="0" smtClean="0"/>
+              <a:t>.Net C#</a:t>
+            </a:r>
+            <a:endParaRPr lang="de-DE" sz="1400" dirty="0" smtClean="0"/>
+          </a:p>
+          <a:p>
+            <a:pPr marL="287342" indent="-342900">
+              <a:spcBef>
+                <a:spcPts val="2400"/>
+              </a:spcBef>
+            </a:pPr>
+            <a:r>
+              <a:rPr lang="de-DE" dirty="0" smtClean="0"/>
+              <a:t>Aktuell im Projekt bei großem Automobilkonzern in Stuttgart</a:t>
+            </a:r>
+          </a:p>
+          <a:p>
+            <a:pPr marL="800066" lvl="1" indent="-342900">
+              <a:spcBef>
+                <a:spcPts val="2400"/>
+              </a:spcBef>
+            </a:pPr>
+            <a:r>
+              <a:rPr lang="de-DE" dirty="0" smtClean="0"/>
+              <a:t>Business Consulting</a:t>
+            </a:r>
+          </a:p>
+          <a:p>
+            <a:pPr marL="800066" lvl="1" indent="-342900">
+              <a:spcBef>
+                <a:spcPts val="2400"/>
+              </a:spcBef>
+            </a:pPr>
+            <a:r>
+              <a:rPr lang="de-DE" dirty="0" smtClean="0"/>
+              <a:t>Datenanalyse</a:t>
+            </a:r>
+          </a:p>
+          <a:p>
+            <a:pPr marL="800066" lvl="1" indent="-342900">
+              <a:spcBef>
+                <a:spcPts val="2400"/>
+              </a:spcBef>
+            </a:pPr>
+            <a:r>
+              <a:rPr lang="de-DE" dirty="0" smtClean="0"/>
+              <a:t>Projektmanagement</a:t>
+            </a:r>
+            <a:endParaRPr lang="de-DE" dirty="0"/>
+          </a:p>
+          <a:p>
+            <a:pPr marL="0" indent="-55558">
+              <a:spcBef>
+                <a:spcPts val="2400"/>
+              </a:spcBef>
+              <a:buNone/>
+            </a:pPr>
+            <a:endParaRPr lang="de-DE" sz="2000" dirty="0"/>
           </a:p>
         </p:txBody>
       </p:sp>

--- a/01. Überblick/Überblick Workshop.pptx
+++ b/01. Überblick/Überblick Workshop.pptx
@@ -553,7 +553,7 @@
               <a:pPr>
                 <a:defRPr/>
               </a:pPr>
-              <a:t>13.09.2017</a:t>
+              <a:t>22.09.2017</a:t>
             </a:fld>
             <a:endParaRPr lang="de-DE"/>
           </a:p>
@@ -752,7 +752,7 @@
               <a:pPr>
                 <a:defRPr/>
               </a:pPr>
-              <a:t>2017-09-13</a:t>
+              <a:t>2017-09-22</a:t>
             </a:fld>
             <a:endParaRPr lang="sv-SE"/>
           </a:p>
@@ -20761,7 +20761,6 @@
               <a:rPr lang="de-DE" dirty="0" smtClean="0"/>
               <a:t>. Informatik</a:t>
             </a:r>
-            <a:endParaRPr lang="de-DE" dirty="0" smtClean="0"/>
           </a:p>
           <a:p>
             <a:pPr>
@@ -20781,7 +20780,6 @@
               <a:rPr lang="de-DE" dirty="0" smtClean="0"/>
               <a:t>Consulting</a:t>
             </a:r>
-            <a:endParaRPr lang="de-DE" dirty="0" smtClean="0"/>
           </a:p>
           <a:p>
             <a:pPr lvl="1">
@@ -22362,28 +22360,13 @@
             </a:pPr>
             <a:r>
               <a:rPr lang="de-DE" dirty="0" smtClean="0"/>
-              <a:t>Entwicklung der einzelnen App-Bestandteile</a:t>
-            </a:r>
-          </a:p>
-          <a:p>
-            <a:pPr>
-              <a:lnSpc>
-                <a:spcPct val="150000"/>
-              </a:lnSpc>
-            </a:pPr>
-            <a:r>
-              <a:rPr lang="de-DE" dirty="0" err="1" smtClean="0"/>
-              <a:t>Deployment</a:t>
+              <a:t>Entwicklung der </a:t>
+            </a:r>
+            <a:r>
+              <a:rPr lang="de-DE" smtClean="0"/>
+              <a:t>einzelnen App-Bestandteile</a:t>
             </a:r>
             <a:endParaRPr lang="de-DE" dirty="0" smtClean="0"/>
-          </a:p>
-          <a:p>
-            <a:pPr>
-              <a:lnSpc>
-                <a:spcPct val="150000"/>
-              </a:lnSpc>
-            </a:pPr>
-            <a:endParaRPr lang="de-DE" dirty="0"/>
           </a:p>
         </p:txBody>
       </p:sp>
@@ -22725,8 +22708,8 @@
               <a:t>Windows Universal </a:t>
             </a:r>
             <a:r>
-              <a:rPr lang="de-DE" dirty="0" err="1" smtClean="0"/>
-              <a:t>Platform</a:t>
+              <a:rPr lang="de-DE" dirty="0" smtClean="0"/>
+              <a:t>Plattform</a:t>
             </a:r>
             <a:endParaRPr lang="de-DE" dirty="0" smtClean="0"/>
           </a:p>

--- a/01. Überblick/Überblick Workshop.pptx
+++ b/01. Überblick/Überblick Workshop.pptx
@@ -5,10 +5,10 @@
     <p:sldMasterId id="2147484690" r:id="rId1"/>
   </p:sldMasterIdLst>
   <p:notesMasterIdLst>
-    <p:notesMasterId r:id="rId40"/>
+    <p:notesMasterId r:id="rId38"/>
   </p:notesMasterIdLst>
   <p:handoutMasterIdLst>
-    <p:handoutMasterId r:id="rId41"/>
+    <p:handoutMasterId r:id="rId39"/>
   </p:handoutMasterIdLst>
   <p:sldIdLst>
     <p:sldId id="332" r:id="rId2"/>
@@ -34,21 +34,19 @@
     <p:sldId id="398" r:id="rId22"/>
     <p:sldId id="399" r:id="rId23"/>
     <p:sldId id="400" r:id="rId24"/>
-    <p:sldId id="361" r:id="rId25"/>
-    <p:sldId id="362" r:id="rId26"/>
-    <p:sldId id="369" r:id="rId27"/>
-    <p:sldId id="403" r:id="rId28"/>
-    <p:sldId id="377" r:id="rId29"/>
-    <p:sldId id="370" r:id="rId30"/>
-    <p:sldId id="372" r:id="rId31"/>
-    <p:sldId id="376" r:id="rId32"/>
-    <p:sldId id="379" r:id="rId33"/>
-    <p:sldId id="380" r:id="rId34"/>
-    <p:sldId id="381" r:id="rId35"/>
-    <p:sldId id="382" r:id="rId36"/>
-    <p:sldId id="378" r:id="rId37"/>
-    <p:sldId id="383" r:id="rId38"/>
-    <p:sldId id="290" r:id="rId39"/>
+    <p:sldId id="362" r:id="rId25"/>
+    <p:sldId id="403" r:id="rId26"/>
+    <p:sldId id="377" r:id="rId27"/>
+    <p:sldId id="370" r:id="rId28"/>
+    <p:sldId id="372" r:id="rId29"/>
+    <p:sldId id="376" r:id="rId30"/>
+    <p:sldId id="379" r:id="rId31"/>
+    <p:sldId id="380" r:id="rId32"/>
+    <p:sldId id="381" r:id="rId33"/>
+    <p:sldId id="382" r:id="rId34"/>
+    <p:sldId id="378" r:id="rId35"/>
+    <p:sldId id="383" r:id="rId36"/>
+    <p:sldId id="290" r:id="rId37"/>
   </p:sldIdLst>
   <p:sldSz cx="12190413" cy="6859588"/>
   <p:notesSz cx="7099300" cy="10234613"/>
@@ -275,6 +273,7 @@
           <c:dLbls>
             <c:dLbl>
               <c:idx val="3"/>
+              <c:layout/>
               <c:tx>
                 <c:rich>
                   <a:bodyPr/>
@@ -295,7 +294,9 @@
               <c:showPercent val="0"/>
               <c:showBubbleSize val="0"/>
               <c:extLst>
-                <c:ext xmlns:c15="http://schemas.microsoft.com/office/drawing/2012/chart" uri="{CE6537A1-D6FC-4f65-9D91-7224C49458BB}"/>
+                <c:ext xmlns:c15="http://schemas.microsoft.com/office/drawing/2012/chart" uri="{CE6537A1-D6FC-4f65-9D91-7224C49458BB}">
+                  <c15:layout/>
+                </c:ext>
                 <c:ext xmlns:c16="http://schemas.microsoft.com/office/drawing/2014/chart" uri="{C3380CC4-5D6E-409C-BE32-E72D297353CC}">
                   <c16:uniqueId val="{00000000-E6F2-4860-8F3A-116C4032D53C}"/>
                 </c:ext>
@@ -327,6 +328,7 @@
             <c:showLeaderLines val="0"/>
             <c:extLst>
               <c:ext xmlns:c15="http://schemas.microsoft.com/office/drawing/2012/chart" uri="{CE6537A1-D6FC-4f65-9D91-7224C49458BB}">
+                <c15:layout/>
                 <c15:showLeaderLines val="0"/>
               </c:ext>
             </c:extLst>
@@ -2788,7 +2790,7 @@
               <a:pPr>
                 <a:defRPr/>
               </a:pPr>
-              <a:t>26</a:t>
+              <a:t>25</a:t>
             </a:fld>
             <a:endParaRPr lang="sv-SE"/>
           </a:p>
@@ -2797,7 +2799,7 @@
     </p:spTree>
     <p:extLst>
       <p:ext uri="{BB962C8B-B14F-4D97-AF65-F5344CB8AC3E}">
-        <p14:creationId xmlns:p14="http://schemas.microsoft.com/office/powerpoint/2010/main" val="4090063282"/>
+        <p14:creationId xmlns:p14="http://schemas.microsoft.com/office/powerpoint/2010/main" val="313538318"/>
       </p:ext>
     </p:extLst>
   </p:cSld>
@@ -2851,6 +2853,14 @@
           <a:bodyPr/>
           <a:lstStyle/>
           <a:p>
+            <a:r>
+              <a:rPr lang="de-DE" dirty="0" err="1" smtClean="0"/>
+              <a:t>LiveDemo</a:t>
+            </a:r>
+            <a:r>
+              <a:rPr lang="de-DE" baseline="0" dirty="0" smtClean="0"/>
+              <a:t> der fertigen App</a:t>
+            </a:r>
             <a:endParaRPr lang="de-DE" dirty="0"/>
           </a:p>
         </p:txBody>
@@ -2878,7 +2888,7 @@
               <a:pPr>
                 <a:defRPr/>
               </a:pPr>
-              <a:t>27</a:t>
+              <a:t>28</a:t>
             </a:fld>
             <a:endParaRPr lang="sv-SE"/>
           </a:p>
@@ -2887,7 +2897,7 @@
     </p:spTree>
     <p:extLst>
       <p:ext uri="{BB962C8B-B14F-4D97-AF65-F5344CB8AC3E}">
-        <p14:creationId xmlns:p14="http://schemas.microsoft.com/office/powerpoint/2010/main" val="313538318"/>
+        <p14:creationId xmlns:p14="http://schemas.microsoft.com/office/powerpoint/2010/main" val="40154488"/>
       </p:ext>
     </p:extLst>
   </p:cSld>
@@ -2988,7 +2998,7 @@
               <a:pPr>
                 <a:defRPr/>
               </a:pPr>
-              <a:t>38</a:t>
+              <a:t>36</a:t>
             </a:fld>
             <a:endParaRPr lang="sv-SE"/>
           </a:p>
@@ -19716,111 +19726,6 @@
       </p:grpSpPr>
       <p:sp>
         <p:nvSpPr>
-          <p:cNvPr id="2" name="Titel 1"/>
-          <p:cNvSpPr>
-            <a:spLocks noGrp="1"/>
-          </p:cNvSpPr>
-          <p:nvPr>
-            <p:ph type="ctrTitle"/>
-          </p:nvPr>
-        </p:nvSpPr>
-        <p:spPr/>
-        <p:txBody>
-          <a:bodyPr/>
-          <a:lstStyle/>
-          <a:p>
-            <a:r>
-              <a:rPr lang="de-DE" dirty="0" smtClean="0"/>
-              <a:t>01 | Überblick</a:t>
-            </a:r>
-            <a:endParaRPr lang="de-DE" dirty="0"/>
-          </a:p>
-        </p:txBody>
-      </p:sp>
-      <p:sp>
-        <p:nvSpPr>
-          <p:cNvPr id="4" name="Untertitel 3"/>
-          <p:cNvSpPr>
-            <a:spLocks noGrp="1"/>
-          </p:cNvSpPr>
-          <p:nvPr>
-            <p:ph type="subTitle" idx="1"/>
-          </p:nvPr>
-        </p:nvSpPr>
-        <p:spPr/>
-        <p:txBody>
-          <a:bodyPr/>
-          <a:lstStyle/>
-          <a:p>
-            <a:r>
-              <a:rPr lang="de-DE" dirty="0"/>
-              <a:t>Sadeq Abu Hantash</a:t>
-            </a:r>
-          </a:p>
-        </p:txBody>
-      </p:sp>
-      <p:pic>
-        <p:nvPicPr>
-          <p:cNvPr id="7" name="Inhaltsplatzhalter 4"/>
-          <p:cNvPicPr>
-            <a:picLocks noChangeAspect="1"/>
-          </p:cNvPicPr>
-          <p:nvPr/>
-        </p:nvPicPr>
-        <p:blipFill>
-          <a:blip r:embed="rId2">
-            <a:extLst>
-              <a:ext uri="{28A0092B-C50C-407E-A947-70E740481C1C}">
-                <a14:useLocalDpi xmlns:a14="http://schemas.microsoft.com/office/drawing/2010/main" val="0"/>
-              </a:ext>
-            </a:extLst>
-          </a:blip>
-          <a:stretch>
-            <a:fillRect/>
-          </a:stretch>
-        </p:blipFill>
-        <p:spPr>
-          <a:xfrm>
-            <a:off x="848670" y="1949451"/>
-            <a:ext cx="10457808" cy="4256222"/>
-          </a:xfrm>
-          <a:prstGeom prst="rect">
-            <a:avLst/>
-          </a:prstGeom>
-        </p:spPr>
-      </p:pic>
-    </p:spTree>
-    <p:extLst>
-      <p:ext uri="{BB962C8B-B14F-4D97-AF65-F5344CB8AC3E}">
-        <p14:creationId xmlns:p14="http://schemas.microsoft.com/office/powerpoint/2010/main" val="3075312266"/>
-      </p:ext>
-    </p:extLst>
-  </p:cSld>
-  <p:clrMapOvr>
-    <a:masterClrMapping/>
-  </p:clrMapOvr>
-</p:sld>
-</file>
-
-<file path=ppt/slides/slide25.xml><?xml version="1.0" encoding="utf-8"?>
-<p:sld xmlns:a="http://schemas.openxmlformats.org/drawingml/2006/main" xmlns:r="http://schemas.openxmlformats.org/officeDocument/2006/relationships" xmlns:p="http://schemas.openxmlformats.org/presentationml/2006/main">
-  <p:cSld>
-    <p:spTree>
-      <p:nvGrpSpPr>
-        <p:cNvPr id="1" name=""/>
-        <p:cNvGrpSpPr/>
-        <p:nvPr/>
-      </p:nvGrpSpPr>
-      <p:grpSpPr>
-        <a:xfrm>
-          <a:off x="0" y="0"/>
-          <a:ext cx="0" cy="0"/>
-          <a:chOff x="0" y="0"/>
-          <a:chExt cx="0" cy="0"/>
-        </a:xfrm>
-      </p:grpSpPr>
-      <p:sp>
-        <p:nvSpPr>
           <p:cNvPr id="4" name="Titel 3"/>
           <p:cNvSpPr>
             <a:spLocks noGrp="1"/>
@@ -19973,210 +19878,17 @@
   <p:clrMapOvr>
     <a:masterClrMapping/>
   </p:clrMapOvr>
+  <p:timing>
+    <p:tnLst>
+      <p:par>
+        <p:cTn id="1" dur="indefinite" restart="never" nodeType="tmRoot"/>
+      </p:par>
+    </p:tnLst>
+  </p:timing>
 </p:sld>
 </file>
 
-<file path=ppt/slides/slide26.xml><?xml version="1.0" encoding="utf-8"?>
-<p:sld xmlns:a="http://schemas.openxmlformats.org/drawingml/2006/main" xmlns:r="http://schemas.openxmlformats.org/officeDocument/2006/relationships" xmlns:p="http://schemas.openxmlformats.org/presentationml/2006/main">
-  <p:cSld>
-    <p:spTree>
-      <p:nvGrpSpPr>
-        <p:cNvPr id="1" name=""/>
-        <p:cNvGrpSpPr/>
-        <p:nvPr/>
-      </p:nvGrpSpPr>
-      <p:grpSpPr>
-        <a:xfrm>
-          <a:off x="0" y="0"/>
-          <a:ext cx="0" cy="0"/>
-          <a:chOff x="0" y="0"/>
-          <a:chExt cx="0" cy="0"/>
-        </a:xfrm>
-      </p:grpSpPr>
-      <p:sp>
-        <p:nvSpPr>
-          <p:cNvPr id="2" name="Titel 1"/>
-          <p:cNvSpPr>
-            <a:spLocks noGrp="1"/>
-          </p:cNvSpPr>
-          <p:nvPr>
-            <p:ph type="title"/>
-          </p:nvPr>
-        </p:nvSpPr>
-        <p:spPr/>
-        <p:txBody>
-          <a:bodyPr/>
-          <a:lstStyle/>
-          <a:p>
-            <a:r>
-              <a:rPr lang="de-DE" dirty="0" smtClean="0"/>
-              <a:t>1. Big Picture</a:t>
-            </a:r>
-            <a:endParaRPr lang="de-DE" dirty="0"/>
-          </a:p>
-        </p:txBody>
-      </p:sp>
-      <p:sp>
-        <p:nvSpPr>
-          <p:cNvPr id="7" name="Inhaltsplatzhalter 6"/>
-          <p:cNvSpPr>
-            <a:spLocks noGrp="1"/>
-          </p:cNvSpPr>
-          <p:nvPr>
-            <p:ph idx="1"/>
-          </p:nvPr>
-        </p:nvSpPr>
-        <p:spPr/>
-        <p:txBody>
-          <a:bodyPr/>
-          <a:lstStyle/>
-          <a:p>
-            <a:pPr>
-              <a:lnSpc>
-                <a:spcPct val="150000"/>
-              </a:lnSpc>
-            </a:pPr>
-            <a:r>
-              <a:rPr lang="de-DE" dirty="0" err="1" smtClean="0"/>
-              <a:t>Fotosharing</a:t>
-            </a:r>
-            <a:r>
-              <a:rPr lang="de-DE" dirty="0" smtClean="0"/>
-              <a:t>-App</a:t>
-            </a:r>
-          </a:p>
-          <a:p>
-            <a:pPr lvl="1">
-              <a:lnSpc>
-                <a:spcPct val="150000"/>
-              </a:lnSpc>
-            </a:pPr>
-            <a:r>
-              <a:rPr lang="de-DE" dirty="0" smtClean="0"/>
-              <a:t>Fotos ansehen</a:t>
-            </a:r>
-          </a:p>
-          <a:p>
-            <a:pPr lvl="1">
-              <a:lnSpc>
-                <a:spcPct val="150000"/>
-              </a:lnSpc>
-            </a:pPr>
-            <a:r>
-              <a:rPr lang="de-DE" dirty="0" smtClean="0"/>
-              <a:t>Fotos hochladen</a:t>
-            </a:r>
-          </a:p>
-          <a:p>
-            <a:pPr lvl="1">
-              <a:lnSpc>
-                <a:spcPct val="150000"/>
-              </a:lnSpc>
-            </a:pPr>
-            <a:r>
-              <a:rPr lang="de-DE" dirty="0" smtClean="0"/>
-              <a:t>Like-Funktion</a:t>
-            </a:r>
-          </a:p>
-          <a:p>
-            <a:pPr>
-              <a:lnSpc>
-                <a:spcPct val="150000"/>
-              </a:lnSpc>
-            </a:pPr>
-            <a:r>
-              <a:rPr lang="de-DE" dirty="0" smtClean="0"/>
-              <a:t>Web-Admin-Oberfläche</a:t>
-            </a:r>
-          </a:p>
-        </p:txBody>
-      </p:sp>
-      <p:sp>
-        <p:nvSpPr>
-          <p:cNvPr id="4" name="Foliennummernplatzhalter 3"/>
-          <p:cNvSpPr>
-            <a:spLocks noGrp="1"/>
-          </p:cNvSpPr>
-          <p:nvPr>
-            <p:ph type="sldNum" sz="quarter" idx="12"/>
-          </p:nvPr>
-        </p:nvSpPr>
-        <p:spPr/>
-        <p:txBody>
-          <a:bodyPr/>
-          <a:lstStyle/>
-          <a:p>
-            <a:fld id="{8F35CB8A-22DD-4279-9E9E-A49CDB5FBE56}" type="slidenum">
-              <a:rPr lang="en-US" smtClean="0"/>
-              <a:pPr/>
-              <a:t>26</a:t>
-            </a:fld>
-            <a:endParaRPr lang="en-US"/>
-          </a:p>
-        </p:txBody>
-      </p:sp>
-      <p:pic>
-        <p:nvPicPr>
-          <p:cNvPr id="3" name="Grafik 2"/>
-          <p:cNvPicPr>
-            <a:picLocks noChangeAspect="1"/>
-          </p:cNvPicPr>
-          <p:nvPr/>
-        </p:nvPicPr>
-        <p:blipFill>
-          <a:blip r:embed="rId3"/>
-          <a:stretch>
-            <a:fillRect/>
-          </a:stretch>
-        </p:blipFill>
-        <p:spPr>
-          <a:xfrm>
-            <a:off x="4216054" y="1135486"/>
-            <a:ext cx="2143241" cy="3543606"/>
-          </a:xfrm>
-          <a:prstGeom prst="rect">
-            <a:avLst/>
-          </a:prstGeom>
-        </p:spPr>
-      </p:pic>
-      <p:pic>
-        <p:nvPicPr>
-          <p:cNvPr id="5" name="Grafik 4"/>
-          <p:cNvPicPr>
-            <a:picLocks noChangeAspect="1"/>
-          </p:cNvPicPr>
-          <p:nvPr/>
-        </p:nvPicPr>
-        <p:blipFill>
-          <a:blip r:embed="rId4"/>
-          <a:stretch>
-            <a:fillRect/>
-          </a:stretch>
-        </p:blipFill>
-        <p:spPr>
-          <a:xfrm>
-            <a:off x="7288589" y="1135486"/>
-            <a:ext cx="4455905" cy="3543606"/>
-          </a:xfrm>
-          <a:prstGeom prst="rect">
-            <a:avLst/>
-          </a:prstGeom>
-        </p:spPr>
-      </p:pic>
-    </p:spTree>
-    <p:extLst>
-      <p:ext uri="{BB962C8B-B14F-4D97-AF65-F5344CB8AC3E}">
-        <p14:creationId xmlns:p14="http://schemas.microsoft.com/office/powerpoint/2010/main" val="586194437"/>
-      </p:ext>
-    </p:extLst>
-  </p:cSld>
-  <p:clrMapOvr>
-    <a:masterClrMapping/>
-  </p:clrMapOvr>
-</p:sld>
-</file>
-
-<file path=ppt/slides/slide27.xml><?xml version="1.0" encoding="utf-8"?>
+<file path=ppt/slides/slide25.xml><?xml version="1.0" encoding="utf-8"?>
 <p:sld xmlns:a="http://schemas.openxmlformats.org/drawingml/2006/main" xmlns:r="http://schemas.openxmlformats.org/officeDocument/2006/relationships" xmlns:p="http://schemas.openxmlformats.org/presentationml/2006/main">
   <p:cSld>
     <p:spTree>
@@ -20263,7 +19975,7 @@
             <a:fld id="{8F35CB8A-22DD-4279-9E9E-A49CDB5FBE56}" type="slidenum">
               <a:rPr lang="en-US" smtClean="0"/>
               <a:pPr/>
-              <a:t>27</a:t>
+              <a:t>25</a:t>
             </a:fld>
             <a:endParaRPr lang="en-US"/>
           </a:p>
@@ -20309,10 +20021,17 @@
   <p:clrMapOvr>
     <a:masterClrMapping/>
   </p:clrMapOvr>
+  <p:timing>
+    <p:tnLst>
+      <p:par>
+        <p:cTn id="1" dur="indefinite" restart="never" nodeType="tmRoot"/>
+      </p:par>
+    </p:tnLst>
+  </p:timing>
 </p:sld>
 </file>
 
-<file path=ppt/slides/slide28.xml><?xml version="1.0" encoding="utf-8"?>
+<file path=ppt/slides/slide26.xml><?xml version="1.0" encoding="utf-8"?>
 <p:sld xmlns:a="http://schemas.openxmlformats.org/drawingml/2006/main" xmlns:r="http://schemas.openxmlformats.org/officeDocument/2006/relationships" xmlns:p="http://schemas.openxmlformats.org/presentationml/2006/main">
   <p:cSld>
     <p:spTree>
@@ -20399,7 +20118,7 @@
             <a:fld id="{8F35CB8A-22DD-4279-9E9E-A49CDB5FBE56}" type="slidenum">
               <a:rPr lang="en-US" smtClean="0"/>
               <a:pPr/>
-              <a:t>28</a:t>
+              <a:t>26</a:t>
             </a:fld>
             <a:endParaRPr lang="en-US"/>
           </a:p>
@@ -20467,10 +20186,17 @@
   <p:clrMapOvr>
     <a:masterClrMapping/>
   </p:clrMapOvr>
+  <p:timing>
+    <p:tnLst>
+      <p:par>
+        <p:cTn id="1" dur="indefinite" restart="never" nodeType="tmRoot"/>
+      </p:par>
+    </p:tnLst>
+  </p:timing>
 </p:sld>
 </file>
 
-<file path=ppt/slides/slide29.xml><?xml version="1.0" encoding="utf-8"?>
+<file path=ppt/slides/slide27.xml><?xml version="1.0" encoding="utf-8"?>
 <p:sld xmlns:a="http://schemas.openxmlformats.org/drawingml/2006/main" xmlns:r="http://schemas.openxmlformats.org/officeDocument/2006/relationships" xmlns:p="http://schemas.openxmlformats.org/presentationml/2006/main">
   <p:cSld>
     <p:spTree>
@@ -20557,7 +20283,7 @@
             <a:fld id="{8F35CB8A-22DD-4279-9E9E-A49CDB5FBE56}" type="slidenum">
               <a:rPr lang="en-US" smtClean="0"/>
               <a:pPr/>
-              <a:t>29</a:t>
+              <a:t>27</a:t>
             </a:fld>
             <a:endParaRPr lang="en-US"/>
           </a:p>
@@ -20625,10 +20351,17 @@
   <p:clrMapOvr>
     <a:masterClrMapping/>
   </p:clrMapOvr>
+  <p:timing>
+    <p:tnLst>
+      <p:par>
+        <p:cTn id="1" dur="indefinite" restart="never" nodeType="tmRoot"/>
+      </p:par>
+    </p:tnLst>
+  </p:timing>
 </p:sld>
 </file>
 
-<file path=ppt/slides/slide3.xml><?xml version="1.0" encoding="utf-8"?>
+<file path=ppt/slides/slide28.xml><?xml version="1.0" encoding="utf-8"?>
 <p:sld xmlns:a="http://schemas.openxmlformats.org/drawingml/2006/main" xmlns:r="http://schemas.openxmlformats.org/officeDocument/2006/relationships" xmlns:p="http://schemas.openxmlformats.org/presentationml/2006/main">
   <p:cSld>
     <p:spTree>
@@ -20647,7 +20380,7 @@
       </p:grpSpPr>
       <p:sp>
         <p:nvSpPr>
-          <p:cNvPr id="15362" name="Titel 1"/>
+          <p:cNvPr id="8" name="Titel 7"/>
           <p:cNvSpPr>
             <a:spLocks noGrp="1"/>
           </p:cNvSpPr>
@@ -20661,45 +20394,54 @@
           <a:lstStyle/>
           <a:p>
             <a:r>
-              <a:rPr lang="de-DE" dirty="0"/>
-              <a:t>Sadeq Abu Hantash</a:t>
-            </a:r>
-            <a:endParaRPr lang="de-DE" dirty="0" smtClean="0"/>
-          </a:p>
-        </p:txBody>
-      </p:sp>
-      <p:pic>
-        <p:nvPicPr>
-          <p:cNvPr id="2" name="Inhaltsplatzhalter 1"/>
-          <p:cNvPicPr>
-            <a:picLocks noGrp="1"/>
-          </p:cNvPicPr>
+              <a:rPr lang="de-DE" dirty="0" smtClean="0"/>
+              <a:t>2. </a:t>
+            </a:r>
+            <a:r>
+              <a:rPr lang="de-DE" dirty="0" smtClean="0"/>
+              <a:t>Demo</a:t>
+            </a:r>
+            <a:endParaRPr lang="de-DE" dirty="0"/>
+          </a:p>
+        </p:txBody>
+      </p:sp>
+      <p:sp>
+        <p:nvSpPr>
+          <p:cNvPr id="9" name="Inhaltsplatzhalter 8"/>
+          <p:cNvSpPr>
+            <a:spLocks noGrp="1"/>
+          </p:cNvSpPr>
           <p:nvPr>
             <p:ph idx="1"/>
           </p:nvPr>
-        </p:nvPicPr>
-        <p:blipFill>
-          <a:blip r:embed="rId3" cstate="print">
-            <a:extLst>
-              <a:ext uri="{28A0092B-C50C-407E-A947-70E740481C1C}">
-                <a14:useLocalDpi xmlns:a14="http://schemas.microsoft.com/office/drawing/2010/main" val="0"/>
-              </a:ext>
-            </a:extLst>
-          </a:blip>
-          <a:stretch>
-            <a:fillRect/>
-          </a:stretch>
-        </p:blipFill>
+        </p:nvSpPr>
         <p:spPr>
           <a:xfrm>
-            <a:off x="8819141" y="1239473"/>
-            <a:ext cx="2783973" cy="2592000"/>
+            <a:off x="1642381" y="3311231"/>
+            <a:ext cx="5883834" cy="1190432"/>
           </a:xfrm>
         </p:spPr>
-      </p:pic>
-      <p:sp>
-        <p:nvSpPr>
-          <p:cNvPr id="11" name="Foliennummernplatzhalter 10"/>
+        <p:txBody>
+          <a:bodyPr/>
+          <a:lstStyle/>
+          <a:p>
+            <a:pPr marL="0" indent="0">
+              <a:lnSpc>
+                <a:spcPct val="150000"/>
+              </a:lnSpc>
+              <a:buNone/>
+            </a:pPr>
+            <a:r>
+              <a:rPr lang="de-DE" sz="5400" dirty="0" smtClean="0"/>
+              <a:t>Was ist unser Ziel?</a:t>
+            </a:r>
+            <a:endParaRPr lang="de-DE" sz="5400" dirty="0"/>
+          </a:p>
+        </p:txBody>
+      </p:sp>
+      <p:sp>
+        <p:nvSpPr>
+          <p:cNvPr id="4" name="Foliennummernplatzhalter 3"/>
           <p:cNvSpPr>
             <a:spLocks noGrp="1"/>
           </p:cNvSpPr>
@@ -20712,159 +20454,19 @@
           <a:bodyPr/>
           <a:lstStyle/>
           <a:p>
-            <a:pPr>
-              <a:defRPr/>
-            </a:pPr>
-            <a:fld id="{167059F5-D541-4CCE-9C94-CDD37FCFF25E}" type="slidenum">
-              <a:rPr lang="sv-SE" smtClean="0"/>
-              <a:pPr>
-                <a:defRPr/>
-              </a:pPr>
-              <a:t>3</a:t>
+            <a:fld id="{8F35CB8A-22DD-4279-9E9E-A49CDB5FBE56}" type="slidenum">
+              <a:rPr lang="en-US" smtClean="0"/>
+              <a:pPr/>
+              <a:t>28</a:t>
             </a:fld>
-            <a:endParaRPr lang="sv-SE" dirty="0"/>
-          </a:p>
-        </p:txBody>
-      </p:sp>
-      <p:sp>
-        <p:nvSpPr>
-          <p:cNvPr id="6" name="Inhaltsplatzhalter 11"/>
-          <p:cNvSpPr>
-            <a:spLocks noGrp="1"/>
-          </p:cNvSpPr>
-          <p:nvPr>
-            <p:ph idx="1"/>
-          </p:nvPr>
-        </p:nvSpPr>
-        <p:spPr>
-          <a:xfrm>
-            <a:off x="587297" y="1341749"/>
-            <a:ext cx="8956753" cy="5134465"/>
-          </a:xfrm>
-        </p:spPr>
-        <p:txBody>
-          <a:bodyPr anchor="t">
-            <a:noAutofit/>
-          </a:bodyPr>
-          <a:lstStyle/>
-          <a:p>
-            <a:pPr>
-              <a:spcBef>
-                <a:spcPts val="2400"/>
-              </a:spcBef>
-            </a:pPr>
-            <a:r>
-              <a:rPr lang="de-DE" dirty="0" err="1" smtClean="0"/>
-              <a:t>B.Sc</a:t>
-            </a:r>
-            <a:r>
-              <a:rPr lang="de-DE" dirty="0" smtClean="0"/>
-              <a:t>. Informatik</a:t>
-            </a:r>
-          </a:p>
-          <a:p>
-            <a:pPr>
-              <a:spcBef>
-                <a:spcPts val="2400"/>
-              </a:spcBef>
-            </a:pPr>
-            <a:r>
-              <a:rPr lang="de-DE" dirty="0" smtClean="0"/>
-              <a:t>Consultant </a:t>
-            </a:r>
-            <a:r>
-              <a:rPr lang="de-DE" dirty="0"/>
-              <a:t>Microsoft </a:t>
-            </a:r>
-            <a:r>
-              <a:rPr lang="de-DE" dirty="0" smtClean="0"/>
-              <a:t>Consulting</a:t>
-            </a:r>
-          </a:p>
-          <a:p>
-            <a:pPr lvl="1">
-              <a:spcBef>
-                <a:spcPts val="2400"/>
-              </a:spcBef>
-            </a:pPr>
-            <a:r>
-              <a:rPr lang="de-DE" dirty="0" smtClean="0"/>
-              <a:t>Technologieberatung für Microsoft-Produkte </a:t>
-            </a:r>
-            <a:endParaRPr lang="de-DE" sz="1800" dirty="0"/>
-          </a:p>
-          <a:p>
-            <a:pPr lvl="1">
-              <a:spcBef>
-                <a:spcPts val="2400"/>
-              </a:spcBef>
-            </a:pPr>
-            <a:r>
-              <a:rPr lang="de-DE" dirty="0" smtClean="0"/>
-              <a:t>.Net C#</a:t>
-            </a:r>
-            <a:endParaRPr lang="de-DE" sz="1400" dirty="0" smtClean="0"/>
-          </a:p>
-          <a:p>
-            <a:pPr marL="287342" indent="-342900">
-              <a:spcBef>
-                <a:spcPts val="2400"/>
-              </a:spcBef>
-            </a:pPr>
-            <a:r>
-              <a:rPr lang="de-DE" dirty="0" smtClean="0"/>
-              <a:t>Aktuell im Projekt bei großem Automobilkonzern in Stuttgart</a:t>
-            </a:r>
-          </a:p>
-          <a:p>
-            <a:pPr marL="800066" lvl="1" indent="-342900">
-              <a:spcBef>
-                <a:spcPts val="2400"/>
-              </a:spcBef>
-            </a:pPr>
-            <a:r>
-              <a:rPr lang="de-DE" dirty="0" smtClean="0"/>
-              <a:t>Business Consulting</a:t>
-            </a:r>
-          </a:p>
-          <a:p>
-            <a:pPr marL="800066" lvl="1" indent="-342900">
-              <a:spcBef>
-                <a:spcPts val="2400"/>
-              </a:spcBef>
-            </a:pPr>
-            <a:r>
-              <a:rPr lang="de-DE" dirty="0" smtClean="0"/>
-              <a:t>Datenanalyse</a:t>
-            </a:r>
-          </a:p>
-          <a:p>
-            <a:pPr marL="800066" lvl="1" indent="-342900">
-              <a:spcBef>
-                <a:spcPts val="2400"/>
-              </a:spcBef>
-            </a:pPr>
-            <a:r>
-              <a:rPr lang="de-DE" dirty="0" smtClean="0"/>
-              <a:t>Projektmanagement</a:t>
-            </a:r>
-            <a:endParaRPr lang="de-DE" dirty="0"/>
-          </a:p>
-          <a:p>
-            <a:pPr marL="0" indent="-55558">
-              <a:spcBef>
-                <a:spcPts val="2400"/>
-              </a:spcBef>
-              <a:buNone/>
-            </a:pPr>
-            <a:endParaRPr lang="de-DE" sz="2000" dirty="0"/>
+            <a:endParaRPr lang="en-US"/>
           </a:p>
         </p:txBody>
       </p:sp>
     </p:spTree>
     <p:extLst>
       <p:ext uri="{BB962C8B-B14F-4D97-AF65-F5344CB8AC3E}">
-        <p14:creationId xmlns:p14="http://schemas.microsoft.com/office/powerpoint/2010/main" val="448963903"/>
+        <p14:creationId xmlns:p14="http://schemas.microsoft.com/office/powerpoint/2010/main" val="2740131491"/>
       </p:ext>
     </p:extLst>
   </p:cSld>
@@ -20881,7 +20483,7 @@
 </p:sld>
 </file>
 
-<file path=ppt/slides/slide30.xml><?xml version="1.0" encoding="utf-8"?>
+<file path=ppt/slides/slide29.xml><?xml version="1.0" encoding="utf-8"?>
 <p:sld xmlns:a="http://schemas.openxmlformats.org/drawingml/2006/main" xmlns:r="http://schemas.openxmlformats.org/officeDocument/2006/relationships" xmlns:p="http://schemas.openxmlformats.org/presentationml/2006/main">
   <p:cSld>
     <p:spTree>
@@ -20900,133 +20502,6 @@
       </p:grpSpPr>
       <p:sp>
         <p:nvSpPr>
-          <p:cNvPr id="8" name="Titel 7"/>
-          <p:cNvSpPr>
-            <a:spLocks noGrp="1"/>
-          </p:cNvSpPr>
-          <p:nvPr>
-            <p:ph type="title"/>
-          </p:nvPr>
-        </p:nvSpPr>
-        <p:spPr/>
-        <p:txBody>
-          <a:bodyPr/>
-          <a:lstStyle/>
-          <a:p>
-            <a:r>
-              <a:rPr lang="de-DE" dirty="0" smtClean="0"/>
-              <a:t>2. Demos</a:t>
-            </a:r>
-            <a:endParaRPr lang="de-DE" dirty="0"/>
-          </a:p>
-        </p:txBody>
-      </p:sp>
-      <p:sp>
-        <p:nvSpPr>
-          <p:cNvPr id="9" name="Inhaltsplatzhalter 8"/>
-          <p:cNvSpPr>
-            <a:spLocks noGrp="1"/>
-          </p:cNvSpPr>
-          <p:nvPr>
-            <p:ph idx="1"/>
-          </p:nvPr>
-        </p:nvSpPr>
-        <p:spPr/>
-        <p:txBody>
-          <a:bodyPr/>
-          <a:lstStyle/>
-          <a:p>
-            <a:pPr>
-              <a:lnSpc>
-                <a:spcPct val="150000"/>
-              </a:lnSpc>
-            </a:pPr>
-            <a:r>
-              <a:rPr lang="de-DE" dirty="0" smtClean="0"/>
-              <a:t>Web-Admin-Oberfläche (ASP.NET MVC)</a:t>
-            </a:r>
-          </a:p>
-          <a:p>
-            <a:pPr>
-              <a:lnSpc>
-                <a:spcPct val="150000"/>
-              </a:lnSpc>
-            </a:pPr>
-            <a:r>
-              <a:rPr lang="de-DE" dirty="0" smtClean="0"/>
-              <a:t>Schnittstelle/API (ASP.NET Web API)</a:t>
-            </a:r>
-          </a:p>
-          <a:p>
-            <a:pPr>
-              <a:lnSpc>
-                <a:spcPct val="150000"/>
-              </a:lnSpc>
-            </a:pPr>
-            <a:r>
-              <a:rPr lang="de-DE" dirty="0" smtClean="0"/>
-              <a:t>App (Windows Desktop)</a:t>
-            </a:r>
-            <a:endParaRPr lang="de-DE" dirty="0"/>
-          </a:p>
-        </p:txBody>
-      </p:sp>
-      <p:sp>
-        <p:nvSpPr>
-          <p:cNvPr id="4" name="Foliennummernplatzhalter 3"/>
-          <p:cNvSpPr>
-            <a:spLocks noGrp="1"/>
-          </p:cNvSpPr>
-          <p:nvPr>
-            <p:ph type="sldNum" sz="quarter" idx="12"/>
-          </p:nvPr>
-        </p:nvSpPr>
-        <p:spPr/>
-        <p:txBody>
-          <a:bodyPr/>
-          <a:lstStyle/>
-          <a:p>
-            <a:fld id="{8F35CB8A-22DD-4279-9E9E-A49CDB5FBE56}" type="slidenum">
-              <a:rPr lang="en-US" smtClean="0"/>
-              <a:pPr/>
-              <a:t>30</a:t>
-            </a:fld>
-            <a:endParaRPr lang="en-US"/>
-          </a:p>
-        </p:txBody>
-      </p:sp>
-    </p:spTree>
-    <p:extLst>
-      <p:ext uri="{BB962C8B-B14F-4D97-AF65-F5344CB8AC3E}">
-        <p14:creationId xmlns:p14="http://schemas.microsoft.com/office/powerpoint/2010/main" val="2740131491"/>
-      </p:ext>
-    </p:extLst>
-  </p:cSld>
-  <p:clrMapOvr>
-    <a:masterClrMapping/>
-  </p:clrMapOvr>
-</p:sld>
-</file>
-
-<file path=ppt/slides/slide31.xml><?xml version="1.0" encoding="utf-8"?>
-<p:sld xmlns:a="http://schemas.openxmlformats.org/drawingml/2006/main" xmlns:r="http://schemas.openxmlformats.org/officeDocument/2006/relationships" xmlns:p="http://schemas.openxmlformats.org/presentationml/2006/main">
-  <p:cSld>
-    <p:spTree>
-      <p:nvGrpSpPr>
-        <p:cNvPr id="1" name=""/>
-        <p:cNvGrpSpPr/>
-        <p:nvPr/>
-      </p:nvGrpSpPr>
-      <p:grpSpPr>
-        <a:xfrm>
-          <a:off x="0" y="0"/>
-          <a:ext cx="0" cy="0"/>
-          <a:chOff x="0" y="0"/>
-          <a:chExt cx="0" cy="0"/>
-        </a:xfrm>
-      </p:grpSpPr>
-      <p:sp>
-        <p:nvSpPr>
           <p:cNvPr id="3" name="Titel 2"/>
           <p:cNvSpPr>
             <a:spLocks noGrp="1"/>
@@ -21066,7 +20541,7 @@
             <a:fld id="{8F35CB8A-22DD-4279-9E9E-A49CDB5FBE56}" type="slidenum">
               <a:rPr lang="en-US" smtClean="0"/>
               <a:pPr/>
-              <a:t>31</a:t>
+              <a:t>29</a:t>
             </a:fld>
             <a:endParaRPr lang="en-US"/>
           </a:p>
@@ -21282,10 +20757,17 @@
   <p:clrMapOvr>
     <a:masterClrMapping/>
   </p:clrMapOvr>
+  <p:timing>
+    <p:tnLst>
+      <p:par>
+        <p:cTn id="1" dur="indefinite" restart="never" nodeType="tmRoot"/>
+      </p:par>
+    </p:tnLst>
+  </p:timing>
 </p:sld>
 </file>
 
-<file path=ppt/slides/slide32.xml><?xml version="1.0" encoding="utf-8"?>
+<file path=ppt/slides/slide3.xml><?xml version="1.0" encoding="utf-8"?>
 <p:sld xmlns:a="http://schemas.openxmlformats.org/drawingml/2006/main" xmlns:r="http://schemas.openxmlformats.org/officeDocument/2006/relationships" xmlns:p="http://schemas.openxmlformats.org/presentationml/2006/main">
   <p:cSld>
     <p:spTree>
@@ -21304,6 +20786,255 @@
       </p:grpSpPr>
       <p:sp>
         <p:nvSpPr>
+          <p:cNvPr id="15362" name="Titel 1"/>
+          <p:cNvSpPr>
+            <a:spLocks noGrp="1"/>
+          </p:cNvSpPr>
+          <p:nvPr>
+            <p:ph type="title"/>
+          </p:nvPr>
+        </p:nvSpPr>
+        <p:spPr/>
+        <p:txBody>
+          <a:bodyPr/>
+          <a:lstStyle/>
+          <a:p>
+            <a:r>
+              <a:rPr lang="de-DE" dirty="0"/>
+              <a:t>Sadeq Abu Hantash</a:t>
+            </a:r>
+            <a:endParaRPr lang="de-DE" dirty="0" smtClean="0"/>
+          </a:p>
+        </p:txBody>
+      </p:sp>
+      <p:pic>
+        <p:nvPicPr>
+          <p:cNvPr id="2" name="Inhaltsplatzhalter 1"/>
+          <p:cNvPicPr>
+            <a:picLocks noGrp="1"/>
+          </p:cNvPicPr>
+          <p:nvPr>
+            <p:ph idx="1"/>
+          </p:nvPr>
+        </p:nvPicPr>
+        <p:blipFill>
+          <a:blip r:embed="rId3" cstate="print">
+            <a:extLst>
+              <a:ext uri="{28A0092B-C50C-407E-A947-70E740481C1C}">
+                <a14:useLocalDpi xmlns:a14="http://schemas.microsoft.com/office/drawing/2010/main" val="0"/>
+              </a:ext>
+            </a:extLst>
+          </a:blip>
+          <a:stretch>
+            <a:fillRect/>
+          </a:stretch>
+        </p:blipFill>
+        <p:spPr>
+          <a:xfrm>
+            <a:off x="8819141" y="1239473"/>
+            <a:ext cx="2783973" cy="2592000"/>
+          </a:xfrm>
+        </p:spPr>
+      </p:pic>
+      <p:sp>
+        <p:nvSpPr>
+          <p:cNvPr id="11" name="Foliennummernplatzhalter 10"/>
+          <p:cNvSpPr>
+            <a:spLocks noGrp="1"/>
+          </p:cNvSpPr>
+          <p:nvPr>
+            <p:ph type="sldNum" sz="quarter" idx="12"/>
+          </p:nvPr>
+        </p:nvSpPr>
+        <p:spPr/>
+        <p:txBody>
+          <a:bodyPr/>
+          <a:lstStyle/>
+          <a:p>
+            <a:pPr>
+              <a:defRPr/>
+            </a:pPr>
+            <a:fld id="{167059F5-D541-4CCE-9C94-CDD37FCFF25E}" type="slidenum">
+              <a:rPr lang="sv-SE" smtClean="0"/>
+              <a:pPr>
+                <a:defRPr/>
+              </a:pPr>
+              <a:t>3</a:t>
+            </a:fld>
+            <a:endParaRPr lang="sv-SE" dirty="0"/>
+          </a:p>
+        </p:txBody>
+      </p:sp>
+      <p:sp>
+        <p:nvSpPr>
+          <p:cNvPr id="6" name="Inhaltsplatzhalter 11"/>
+          <p:cNvSpPr>
+            <a:spLocks noGrp="1"/>
+          </p:cNvSpPr>
+          <p:nvPr>
+            <p:ph idx="1"/>
+          </p:nvPr>
+        </p:nvSpPr>
+        <p:spPr>
+          <a:xfrm>
+            <a:off x="587297" y="1341749"/>
+            <a:ext cx="8956753" cy="5134465"/>
+          </a:xfrm>
+        </p:spPr>
+        <p:txBody>
+          <a:bodyPr anchor="t">
+            <a:noAutofit/>
+          </a:bodyPr>
+          <a:lstStyle/>
+          <a:p>
+            <a:pPr>
+              <a:spcBef>
+                <a:spcPts val="2400"/>
+              </a:spcBef>
+            </a:pPr>
+            <a:r>
+              <a:rPr lang="de-DE" dirty="0" err="1" smtClean="0"/>
+              <a:t>B.Sc</a:t>
+            </a:r>
+            <a:r>
+              <a:rPr lang="de-DE" dirty="0" smtClean="0"/>
+              <a:t>. Informatik</a:t>
+            </a:r>
+          </a:p>
+          <a:p>
+            <a:pPr>
+              <a:spcBef>
+                <a:spcPts val="2400"/>
+              </a:spcBef>
+            </a:pPr>
+            <a:r>
+              <a:rPr lang="de-DE" dirty="0" smtClean="0"/>
+              <a:t>Microsoft </a:t>
+            </a:r>
+            <a:r>
+              <a:rPr lang="de-DE" dirty="0" smtClean="0"/>
+              <a:t>Consulting</a:t>
+            </a:r>
+          </a:p>
+          <a:p>
+            <a:pPr lvl="1">
+              <a:spcBef>
+                <a:spcPts val="2400"/>
+              </a:spcBef>
+            </a:pPr>
+            <a:r>
+              <a:rPr lang="de-DE" dirty="0" smtClean="0"/>
+              <a:t>Technologieberatung für Microsoft-Produkte </a:t>
+            </a:r>
+            <a:endParaRPr lang="de-DE" sz="1800" dirty="0"/>
+          </a:p>
+          <a:p>
+            <a:pPr lvl="1">
+              <a:spcBef>
+                <a:spcPts val="2400"/>
+              </a:spcBef>
+            </a:pPr>
+            <a:r>
+              <a:rPr lang="de-DE" dirty="0" smtClean="0"/>
+              <a:t>.Net C#</a:t>
+            </a:r>
+            <a:endParaRPr lang="de-DE" sz="1400" dirty="0" smtClean="0"/>
+          </a:p>
+          <a:p>
+            <a:pPr marL="287342" indent="-342900">
+              <a:spcBef>
+                <a:spcPts val="2400"/>
+              </a:spcBef>
+            </a:pPr>
+            <a:r>
+              <a:rPr lang="de-DE" dirty="0" smtClean="0"/>
+              <a:t>Aktuell im Projekt bei großem Automobilkonzern in Stuttgart</a:t>
+            </a:r>
+          </a:p>
+          <a:p>
+            <a:pPr marL="800066" lvl="1" indent="-342900">
+              <a:spcBef>
+                <a:spcPts val="2400"/>
+              </a:spcBef>
+            </a:pPr>
+            <a:r>
+              <a:rPr lang="de-DE" dirty="0" smtClean="0"/>
+              <a:t>Business Consulting</a:t>
+            </a:r>
+          </a:p>
+          <a:p>
+            <a:pPr marL="800066" lvl="1" indent="-342900">
+              <a:spcBef>
+                <a:spcPts val="2400"/>
+              </a:spcBef>
+            </a:pPr>
+            <a:r>
+              <a:rPr lang="de-DE" dirty="0" smtClean="0"/>
+              <a:t>Datenanalyse</a:t>
+            </a:r>
+          </a:p>
+          <a:p>
+            <a:pPr marL="800066" lvl="1" indent="-342900">
+              <a:spcBef>
+                <a:spcPts val="2400"/>
+              </a:spcBef>
+            </a:pPr>
+            <a:r>
+              <a:rPr lang="de-DE" dirty="0" smtClean="0"/>
+              <a:t>Projektmanagement</a:t>
+            </a:r>
+            <a:endParaRPr lang="de-DE" dirty="0"/>
+          </a:p>
+          <a:p>
+            <a:pPr marL="0" indent="-55558">
+              <a:spcBef>
+                <a:spcPts val="2400"/>
+              </a:spcBef>
+              <a:buNone/>
+            </a:pPr>
+            <a:endParaRPr lang="de-DE" sz="2000" dirty="0"/>
+          </a:p>
+        </p:txBody>
+      </p:sp>
+    </p:spTree>
+    <p:extLst>
+      <p:ext uri="{BB962C8B-B14F-4D97-AF65-F5344CB8AC3E}">
+        <p14:creationId xmlns:p14="http://schemas.microsoft.com/office/powerpoint/2010/main" val="448963903"/>
+      </p:ext>
+    </p:extLst>
+  </p:cSld>
+  <p:clrMapOvr>
+    <a:masterClrMapping/>
+  </p:clrMapOvr>
+  <p:timing>
+    <p:tnLst>
+      <p:par>
+        <p:cTn id="1" dur="indefinite" restart="never" nodeType="tmRoot"/>
+      </p:par>
+    </p:tnLst>
+  </p:timing>
+</p:sld>
+</file>
+
+<file path=ppt/slides/slide30.xml><?xml version="1.0" encoding="utf-8"?>
+<p:sld xmlns:a="http://schemas.openxmlformats.org/drawingml/2006/main" xmlns:r="http://schemas.openxmlformats.org/officeDocument/2006/relationships" xmlns:p="http://schemas.openxmlformats.org/presentationml/2006/main">
+  <p:cSld>
+    <p:spTree>
+      <p:nvGrpSpPr>
+        <p:cNvPr id="1" name=""/>
+        <p:cNvGrpSpPr/>
+        <p:nvPr/>
+      </p:nvGrpSpPr>
+      <p:grpSpPr>
+        <a:xfrm>
+          <a:off x="0" y="0"/>
+          <a:ext cx="0" cy="0"/>
+          <a:chOff x="0" y="0"/>
+          <a:chExt cx="0" cy="0"/>
+        </a:xfrm>
+      </p:grpSpPr>
+      <p:sp>
+        <p:nvSpPr>
           <p:cNvPr id="3" name="Titel 2"/>
           <p:cNvSpPr>
             <a:spLocks noGrp="1"/>
@@ -21343,7 +21074,7 @@
             <a:fld id="{8F35CB8A-22DD-4279-9E9E-A49CDB5FBE56}" type="slidenum">
               <a:rPr lang="en-US" smtClean="0"/>
               <a:pPr/>
-              <a:t>32</a:t>
+              <a:t>30</a:t>
             </a:fld>
             <a:endParaRPr lang="en-US"/>
           </a:p>
@@ -21488,7 +21219,7 @@
         <p:spPr>
           <a:xfrm>
             <a:off x="587298" y="2638425"/>
-            <a:ext cx="9013902" cy="3528858"/>
+            <a:ext cx="7290610" cy="1581883"/>
           </a:xfrm>
         </p:spPr>
         <p:txBody>
@@ -21525,25 +21256,6 @@
             <a:r>
               <a:rPr lang="de-DE" dirty="0" smtClean="0"/>
               <a:t>Datenzugriff</a:t>
-            </a:r>
-          </a:p>
-          <a:p>
-            <a:pPr>
-              <a:lnSpc>
-                <a:spcPct val="150000"/>
-              </a:lnSpc>
-            </a:pPr>
-            <a:r>
-              <a:rPr lang="de-DE" dirty="0" smtClean="0"/>
-              <a:t>Datenanzeige in einer MVC-Webanwendung über die </a:t>
-            </a:r>
-            <a:r>
-              <a:rPr lang="de-DE" dirty="0" err="1" smtClean="0"/>
-              <a:t>Razor</a:t>
-            </a:r>
-            <a:r>
-              <a:rPr lang="de-DE" dirty="0" smtClean="0"/>
-              <a:t>-Syntax</a:t>
             </a:r>
             <a:endParaRPr lang="de-DE" dirty="0"/>
           </a:p>
@@ -21559,10 +21271,17 @@
   <p:clrMapOvr>
     <a:masterClrMapping/>
   </p:clrMapOvr>
+  <p:timing>
+    <p:tnLst>
+      <p:par>
+        <p:cTn id="1" dur="indefinite" restart="never" nodeType="tmRoot"/>
+      </p:par>
+    </p:tnLst>
+  </p:timing>
 </p:sld>
 </file>
 
-<file path=ppt/slides/slide33.xml><?xml version="1.0" encoding="utf-8"?>
+<file path=ppt/slides/slide31.xml><?xml version="1.0" encoding="utf-8"?>
 <p:sld xmlns:a="http://schemas.openxmlformats.org/drawingml/2006/main" xmlns:r="http://schemas.openxmlformats.org/officeDocument/2006/relationships" xmlns:p="http://schemas.openxmlformats.org/presentationml/2006/main">
   <p:cSld>
     <p:spTree>
@@ -21620,7 +21339,7 @@
             <a:fld id="{8F35CB8A-22DD-4279-9E9E-A49CDB5FBE56}" type="slidenum">
               <a:rPr lang="en-US" smtClean="0"/>
               <a:pPr/>
-              <a:t>33</a:t>
+              <a:t>31</a:t>
             </a:fld>
             <a:endParaRPr lang="en-US"/>
           </a:p>
@@ -21779,7 +21498,11 @@
             </a:pPr>
             <a:r>
               <a:rPr lang="de-DE" dirty="0" smtClean="0"/>
-              <a:t>Microsoft MVC 4 verstehen</a:t>
+              <a:t>Microsoft MVC 4 </a:t>
+            </a:r>
+            <a:r>
+              <a:rPr lang="de-DE" dirty="0" smtClean="0"/>
+              <a:t>verstehen</a:t>
             </a:r>
           </a:p>
           <a:p>
@@ -21790,12 +21513,13 @@
             </a:pPr>
             <a:r>
               <a:rPr lang="de-DE" dirty="0" err="1" smtClean="0"/>
-              <a:t>Scaffolding</a:t>
+              <a:t>Razor</a:t>
             </a:r>
             <a:r>
               <a:rPr lang="de-DE" dirty="0" smtClean="0"/>
-              <a:t> mithilfe vom EF</a:t>
-            </a:r>
+              <a:t> Syntax</a:t>
+            </a:r>
+            <a:endParaRPr lang="de-DE" dirty="0" smtClean="0"/>
           </a:p>
           <a:p>
             <a:pPr>
@@ -21804,8 +21528,12 @@
               </a:lnSpc>
             </a:pPr>
             <a:r>
+              <a:rPr lang="de-DE" dirty="0" err="1" smtClean="0"/>
+              <a:t>Scaffolding</a:t>
+            </a:r>
+            <a:r>
               <a:rPr lang="de-DE" dirty="0" smtClean="0"/>
-              <a:t>Validierung</a:t>
+              <a:t> mithilfe vom EF</a:t>
             </a:r>
           </a:p>
           <a:p>
@@ -21816,7 +21544,7 @@
             </a:pPr>
             <a:r>
               <a:rPr lang="de-DE" dirty="0" smtClean="0"/>
-              <a:t>Authentifizierung</a:t>
+              <a:t>Validierung</a:t>
             </a:r>
             <a:endParaRPr lang="de-DE" dirty="0"/>
           </a:p>
@@ -21832,10 +21560,17 @@
   <p:clrMapOvr>
     <a:masterClrMapping/>
   </p:clrMapOvr>
+  <p:timing>
+    <p:tnLst>
+      <p:par>
+        <p:cTn id="1" dur="indefinite" restart="never" nodeType="tmRoot"/>
+      </p:par>
+    </p:tnLst>
+  </p:timing>
 </p:sld>
 </file>
 
-<file path=ppt/slides/slide34.xml><?xml version="1.0" encoding="utf-8"?>
+<file path=ppt/slides/slide32.xml><?xml version="1.0" encoding="utf-8"?>
 <p:sld xmlns:a="http://schemas.openxmlformats.org/drawingml/2006/main" xmlns:r="http://schemas.openxmlformats.org/officeDocument/2006/relationships" xmlns:p="http://schemas.openxmlformats.org/presentationml/2006/main">
   <p:cSld>
     <p:spTree>
@@ -21893,7 +21628,7 @@
             <a:fld id="{8F35CB8A-22DD-4279-9E9E-A49CDB5FBE56}" type="slidenum">
               <a:rPr lang="en-US" smtClean="0"/>
               <a:pPr/>
-              <a:t>34</a:t>
+              <a:t>32</a:t>
             </a:fld>
             <a:endParaRPr lang="en-US"/>
           </a:p>
@@ -22103,10 +21838,17 @@
   <p:clrMapOvr>
     <a:masterClrMapping/>
   </p:clrMapOvr>
+  <p:timing>
+    <p:tnLst>
+      <p:par>
+        <p:cTn id="1" dur="indefinite" restart="never" nodeType="tmRoot"/>
+      </p:par>
+    </p:tnLst>
+  </p:timing>
 </p:sld>
 </file>
 
-<file path=ppt/slides/slide35.xml><?xml version="1.0" encoding="utf-8"?>
+<file path=ppt/slides/slide33.xml><?xml version="1.0" encoding="utf-8"?>
 <p:sld xmlns:a="http://schemas.openxmlformats.org/drawingml/2006/main" xmlns:r="http://schemas.openxmlformats.org/officeDocument/2006/relationships" xmlns:p="http://schemas.openxmlformats.org/presentationml/2006/main">
   <p:cSld>
     <p:spTree>
@@ -22164,7 +21906,7 @@
             <a:fld id="{8F35CB8A-22DD-4279-9E9E-A49CDB5FBE56}" type="slidenum">
               <a:rPr lang="en-US" smtClean="0"/>
               <a:pPr/>
-              <a:t>35</a:t>
+              <a:t>33</a:t>
             </a:fld>
             <a:endParaRPr lang="en-US"/>
           </a:p>
@@ -22380,10 +22122,17 @@
   <p:clrMapOvr>
     <a:masterClrMapping/>
   </p:clrMapOvr>
+  <p:timing>
+    <p:tnLst>
+      <p:par>
+        <p:cTn id="1" dur="indefinite" restart="never" nodeType="tmRoot"/>
+      </p:par>
+    </p:tnLst>
+  </p:timing>
 </p:sld>
 </file>
 
-<file path=ppt/slides/slide36.xml><?xml version="1.0" encoding="utf-8"?>
+<file path=ppt/slides/slide34.xml><?xml version="1.0" encoding="utf-8"?>
 <p:sld xmlns:a="http://schemas.openxmlformats.org/drawingml/2006/main" xmlns:r="http://schemas.openxmlformats.org/officeDocument/2006/relationships" xmlns:p="http://schemas.openxmlformats.org/presentationml/2006/main">
   <p:cSld>
     <p:spTree>
@@ -22561,7 +22310,7 @@
             <a:fld id="{8F35CB8A-22DD-4279-9E9E-A49CDB5FBE56}" type="slidenum">
               <a:rPr lang="en-US" smtClean="0"/>
               <a:pPr/>
-              <a:t>36</a:t>
+              <a:t>34</a:t>
             </a:fld>
             <a:endParaRPr lang="en-US"/>
           </a:p>
@@ -22607,10 +22356,17 @@
   <p:clrMapOvr>
     <a:masterClrMapping/>
   </p:clrMapOvr>
+  <p:timing>
+    <p:tnLst>
+      <p:par>
+        <p:cTn id="1" dur="indefinite" restart="never" nodeType="tmRoot"/>
+      </p:par>
+    </p:tnLst>
+  </p:timing>
 </p:sld>
 </file>
 
-<file path=ppt/slides/slide37.xml><?xml version="1.0" encoding="utf-8"?>
+<file path=ppt/slides/slide35.xml><?xml version="1.0" encoding="utf-8"?>
 <p:sld xmlns:a="http://schemas.openxmlformats.org/drawingml/2006/main" xmlns:r="http://schemas.openxmlformats.org/officeDocument/2006/relationships" xmlns:p="http://schemas.openxmlformats.org/presentationml/2006/main">
   <p:cSld>
     <p:spTree>
@@ -22705,13 +22461,8 @@
             </a:pPr>
             <a:r>
               <a:rPr lang="de-DE" dirty="0" smtClean="0"/>
-              <a:t>Windows Universal </a:t>
-            </a:r>
-            <a:r>
-              <a:rPr lang="de-DE" dirty="0" smtClean="0"/>
-              <a:t>Plattform</a:t>
-            </a:r>
-            <a:endParaRPr lang="de-DE" dirty="0" smtClean="0"/>
+              <a:t>Windows Universal Plattform</a:t>
+            </a:r>
           </a:p>
           <a:p>
             <a:pPr>
@@ -22732,19 +22483,13 @@
             </a:pPr>
             <a:r>
               <a:rPr lang="de-DE" dirty="0" smtClean="0"/>
-              <a:t>Talks</a:t>
-            </a:r>
-          </a:p>
-          <a:p>
-            <a:pPr lvl="1">
-              <a:lnSpc>
-                <a:spcPct val="150000"/>
-              </a:lnSpc>
-            </a:pPr>
+              <a:t>Talks un</a:t>
+            </a:r>
             <a:r>
               <a:rPr lang="de-DE" dirty="0" smtClean="0"/>
-              <a:t>Demos</a:t>
-            </a:r>
+              <a:t>d Demos</a:t>
+            </a:r>
+            <a:endParaRPr lang="de-DE" dirty="0" smtClean="0"/>
           </a:p>
           <a:p>
             <a:pPr lvl="1">
@@ -22801,7 +22546,7 @@
             <a:fld id="{8F35CB8A-22DD-4279-9E9E-A49CDB5FBE56}" type="slidenum">
               <a:rPr lang="en-US" smtClean="0"/>
               <a:pPr/>
-              <a:t>37</a:t>
+              <a:t>35</a:t>
             </a:fld>
             <a:endParaRPr lang="en-US"/>
           </a:p>
@@ -22817,10 +22562,17 @@
   <p:clrMapOvr>
     <a:masterClrMapping/>
   </p:clrMapOvr>
+  <p:timing>
+    <p:tnLst>
+      <p:par>
+        <p:cTn id="1" dur="indefinite" restart="never" nodeType="tmRoot"/>
+      </p:par>
+    </p:tnLst>
+  </p:timing>
 </p:sld>
 </file>
 
-<file path=ppt/slides/slide38.xml><?xml version="1.0" encoding="utf-8"?>
+<file path=ppt/slides/slide36.xml><?xml version="1.0" encoding="utf-8"?>
 <p:sld xmlns:a="http://schemas.openxmlformats.org/drawingml/2006/main" xmlns:r="http://schemas.openxmlformats.org/officeDocument/2006/relationships" xmlns:p="http://schemas.openxmlformats.org/presentationml/2006/main">
   <p:cSld>
     <p:spTree>
@@ -22860,7 +22612,7 @@
               <a:pPr>
                 <a:defRPr/>
               </a:pPr>
-              <a:t>38</a:t>
+              <a:t>36</a:t>
             </a:fld>
             <a:endParaRPr lang="sv-SE" dirty="0"/>
           </a:p>
@@ -22948,7 +22700,100 @@
                 <a:spcPts val="2400"/>
               </a:spcBef>
             </a:pPr>
+            <a:r>
+              <a:rPr lang="de-DE" dirty="0" err="1" smtClean="0"/>
+              <a:t>B.Sc</a:t>
+            </a:r>
+            <a:r>
+              <a:rPr lang="de-DE" dirty="0" smtClean="0"/>
+              <a:t>. Wirtschaftsinformatik</a:t>
+            </a:r>
+          </a:p>
+          <a:p>
+            <a:pPr>
+              <a:spcBef>
+                <a:spcPts val="2400"/>
+              </a:spcBef>
+            </a:pPr>
+            <a:r>
+              <a:rPr lang="de-DE" dirty="0" smtClean="0"/>
+              <a:t>Microsoft Consulting</a:t>
+            </a:r>
+          </a:p>
+          <a:p>
+            <a:pPr lvl="1">
+              <a:spcBef>
+                <a:spcPts val="2400"/>
+              </a:spcBef>
+            </a:pPr>
+            <a:r>
+              <a:rPr lang="de-DE" dirty="0" err="1" smtClean="0"/>
+              <a:t>Xamarin</a:t>
+            </a:r>
             <a:endParaRPr lang="de-DE" dirty="0"/>
+          </a:p>
+          <a:p>
+            <a:pPr lvl="1">
+              <a:spcBef>
+                <a:spcPts val="2400"/>
+              </a:spcBef>
+            </a:pPr>
+            <a:r>
+              <a:rPr lang="de-DE" dirty="0" smtClean="0"/>
+              <a:t>C# .Net, MVC</a:t>
+            </a:r>
+            <a:endParaRPr lang="de-DE" dirty="0"/>
+          </a:p>
+          <a:p>
+            <a:pPr marL="230192" indent="-285750">
+              <a:spcBef>
+                <a:spcPts val="2400"/>
+              </a:spcBef>
+            </a:pPr>
+            <a:r>
+              <a:rPr lang="de-DE" dirty="0" smtClean="0"/>
+              <a:t>Aktuell an der Entwicklung einer iOS </a:t>
+            </a:r>
+            <a:r>
+              <a:rPr lang="de-DE" dirty="0" err="1" smtClean="0"/>
+              <a:t>Xamarin</a:t>
+            </a:r>
+            <a:r>
+              <a:rPr lang="de-DE" dirty="0" smtClean="0"/>
+              <a:t> App beteiligt</a:t>
+            </a:r>
+            <a:endParaRPr lang="de-DE" dirty="0"/>
+          </a:p>
+          <a:p>
+            <a:pPr marL="742916" lvl="1" indent="-285750">
+              <a:spcBef>
+                <a:spcPts val="2400"/>
+              </a:spcBef>
+            </a:pPr>
+            <a:r>
+              <a:rPr lang="de-DE" dirty="0" smtClean="0"/>
+              <a:t>Architektur, Entwicklung</a:t>
+            </a:r>
+          </a:p>
+          <a:p>
+            <a:pPr marL="742916" lvl="1" indent="-285750">
+              <a:spcBef>
+                <a:spcPts val="2400"/>
+              </a:spcBef>
+            </a:pPr>
+            <a:r>
+              <a:rPr lang="de-DE" dirty="0" err="1" smtClean="0"/>
+              <a:t>Testing</a:t>
+            </a:r>
+            <a:endParaRPr lang="de-DE" dirty="0" smtClean="0"/>
+          </a:p>
+          <a:p>
+            <a:pPr marL="742916" lvl="1" indent="-285750">
+              <a:spcBef>
+                <a:spcPts val="2400"/>
+              </a:spcBef>
+            </a:pPr>
+            <a:endParaRPr lang="de-DE" dirty="0" smtClean="0"/>
           </a:p>
         </p:txBody>
       </p:sp>
